--- a/Danny/Onderwijs/Statistiek/2024-2025/Slides/Nieuwe slides/Statistiek 2024-2025 -- college 11 -- verschiltoetsen.pptx
+++ b/Danny/Onderwijs/Statistiek/2024-2025/Slides/Nieuwe slides/Statistiek 2024-2025 -- college 11 -- verschiltoetsen.pptx
@@ -991,7 +991,7 @@
   <dgm:whole/>
   <dgm:extLst>
     <a:ext uri="http://schemas.microsoft.com/office/drawing/2008/diagram">
-      <dsp:dataModelExt xmlns:dsp="http://schemas.microsoft.com/office/drawing/2008/diagram" relId="rId8" minVer="http://schemas.openxmlformats.org/drawingml/2006/diagram"/>
+      <dsp:dataModelExt xmlns:dsp="http://schemas.microsoft.com/office/drawing/2008/diagram" relId="rId7" minVer="http://schemas.openxmlformats.org/drawingml/2006/diagram"/>
     </a:ext>
   </dgm:extLst>
 </dgm:dataModel>
@@ -5894,7 +5894,7 @@
               <a:pPr>
                 <a:defRPr/>
               </a:pPr>
-              <a:t>1 juli 2025</a:t>
+              <a:t>7 juli 2025</a:t>
             </a:fld>
             <a:endParaRPr lang="nl-NL" dirty="0"/>
           </a:p>
@@ -6029,7 +6029,7 @@
             </a:pPr>
             <a:fld id="{B65BA442-CF7C-446F-A5C6-9C80A1EA92B1}" type="datetime4">
               <a:rPr lang="nl-NL" smtClean="0"/>
-              <a:t>1 juli 2025</a:t>
+              <a:t>7 juli 2025</a:t>
             </a:fld>
             <a:endParaRPr lang="nl-NL" dirty="0"/>
           </a:p>
@@ -6186,7 +6186,7 @@
             </a:pPr>
             <a:fld id="{6ADACE4E-5F74-4A37-951C-E2AD8C0ABF31}" type="datetime4">
               <a:rPr lang="nl-NL" smtClean="0"/>
-              <a:t>1 juli 2025</a:t>
+              <a:t>7 juli 2025</a:t>
             </a:fld>
             <a:endParaRPr lang="nl-NL" dirty="0"/>
           </a:p>
@@ -6439,7 +6439,7 @@
             </a:pPr>
             <a:fld id="{8C104096-2ED3-453C-8E78-E00AE5454056}" type="datetime4">
               <a:rPr lang="nl-NL" smtClean="0"/>
-              <a:t>1 juli 2025</a:t>
+              <a:t>7 juli 2025</a:t>
             </a:fld>
             <a:endParaRPr lang="nl-NL" dirty="0"/>
           </a:p>
@@ -6836,7 +6836,7 @@
             </a:pPr>
             <a:fld id="{57509A98-FEF1-486E-836B-0182E6ED18CF}" type="datetime4">
               <a:rPr lang="nl-NL" smtClean="0"/>
-              <a:t>1 juli 2025</a:t>
+              <a:t>7 juli 2025</a:t>
             </a:fld>
             <a:endParaRPr lang="nl-NL" dirty="0"/>
           </a:p>
@@ -6919,7 +6919,7 @@
             </a:pPr>
             <a:fld id="{A45E3D14-5EDE-4B69-BCF9-7871170F920B}" type="datetime4">
               <a:rPr lang="nl-NL" smtClean="0"/>
-              <a:t>1 juli 2025</a:t>
+              <a:t>7 juli 2025</a:t>
             </a:fld>
             <a:endParaRPr lang="nl-NL" dirty="0"/>
           </a:p>
@@ -6979,7 +6979,7 @@
             </a:pPr>
             <a:fld id="{403C7BC3-7CD1-41E9-B4B5-084A2D120935}" type="datetime4">
               <a:rPr lang="nl-NL" smtClean="0"/>
-              <a:t>1 juli 2025</a:t>
+              <a:t>7 juli 2025</a:t>
             </a:fld>
             <a:endParaRPr lang="nl-NL" dirty="0"/>
           </a:p>
@@ -7221,7 +7221,7 @@
             </a:pPr>
             <a:fld id="{B9AD4273-E583-4234-8A15-01E636C03DBC}" type="datetime4">
               <a:rPr lang="nl-NL" smtClean="0"/>
-              <a:t>1 juli 2025</a:t>
+              <a:t>7 juli 2025</a:t>
             </a:fld>
             <a:endParaRPr lang="nl-NL" dirty="0"/>
           </a:p>
@@ -7614,7 +7614,7 @@
             </a:pPr>
             <a:fld id="{6DF2C121-03D7-4443-9B4B-D1ED7325FD6F}" type="datetime4">
               <a:rPr lang="nl-NL" smtClean="0"/>
-              <a:t>1 juli 2025</a:t>
+              <a:t>7 juli 2025</a:t>
             </a:fld>
             <a:endParaRPr lang="nl-NL" dirty="0"/>
           </a:p>
@@ -7749,7 +7749,7 @@
             </a:pPr>
             <a:fld id="{83790545-2047-4712-ADC2-09AB81876442}" type="datetime4">
               <a:rPr lang="nl-NL" smtClean="0"/>
-              <a:t>1 juli 2025</a:t>
+              <a:t>7 juli 2025</a:t>
             </a:fld>
             <a:endParaRPr lang="nl-NL" dirty="0"/>
           </a:p>
@@ -12827,7 +12827,7 @@
             </a:pPr>
             <a:fld id="{C578AD08-3C54-48F2-9382-C141D1496CCF}" type="datetime4">
               <a:rPr lang="nl-NL" smtClean="0"/>
-              <a:t>1 juli 2025</a:t>
+              <a:t>7 juli 2025</a:t>
             </a:fld>
             <a:endParaRPr lang="nl-NL" dirty="0"/>
           </a:p>
@@ -14944,7 +14944,7 @@
                 <a:tabLst/>
                 <a:defRPr/>
               </a:pPr>
-              <a:t>1 juli 2025</a:t>
+              <a:t>7 juli 2025</a:t>
             </a:fld>
             <a:endParaRPr kumimoji="0" lang="nl-NL" sz="1100" b="0" i="0" u="none" strike="noStrike" kern="1200" cap="none" spc="0" normalizeH="0" baseline="0" noProof="0" smtClean="0">
               <a:ln>
@@ -15320,7 +15320,7 @@
                 <a:tabLst/>
                 <a:defRPr/>
               </a:pPr>
-              <a:t>1 juli 2025</a:t>
+              <a:t>7 juli 2025</a:t>
             </a:fld>
             <a:endParaRPr kumimoji="0" lang="nl-NL" sz="1100" b="0" i="0" u="none" strike="noStrike" kern="1200" cap="none" spc="0" normalizeH="0" baseline="0" noProof="0" smtClean="0">
               <a:ln>
@@ -16850,7 +16850,7 @@
                 <a:tabLst/>
                 <a:defRPr/>
               </a:pPr>
-              <a:t>1 juli 2025</a:t>
+              <a:t>7 juli 2025</a:t>
             </a:fld>
             <a:endParaRPr kumimoji="0" lang="nl-NL" sz="1100" b="0" i="0" u="none" strike="noStrike" kern="1200" cap="none" spc="0" normalizeH="0" baseline="0" noProof="0" smtClean="0">
               <a:ln>
@@ -16954,8 +16954,8 @@
           </a:p>
         </p:txBody>
       </p:sp>
-      <mc:AlternateContent xmlns:mc="http://schemas.openxmlformats.org/markup-compatibility/2006">
-        <mc:Choice xmlns:a14="http://schemas.microsoft.com/office/drawing/2010/main" Requires="a14">
+      <mc:AlternateContent xmlns:mc="http://schemas.openxmlformats.org/markup-compatibility/2006" xmlns:a14="http://schemas.microsoft.com/office/drawing/2010/main">
+        <mc:Choice Requires="a14">
           <p:sp>
             <p:nvSpPr>
               <p:cNvPr id="6147" name="Content Placeholder 2"/>
@@ -18266,7 +18266,7 @@
             </p:txBody>
           </p:sp>
         </mc:Choice>
-        <mc:Fallback>
+        <mc:Fallback xmlns="">
           <p:sp>
             <p:nvSpPr>
               <p:cNvPr id="6147" name="Content Placeholder 2"/>
@@ -18379,7 +18379,7 @@
                 <a:tabLst/>
                 <a:defRPr/>
               </a:pPr>
-              <a:t>1 juli 2025</a:t>
+              <a:t>7 juli 2025</a:t>
             </a:fld>
             <a:endParaRPr kumimoji="0" lang="nl-NL" sz="1100" b="0" i="0" u="none" strike="noStrike" kern="1200" cap="none" spc="0" normalizeH="0" baseline="0" noProof="0" smtClean="0">
               <a:ln>
@@ -18483,8 +18483,8 @@
           </a:p>
         </p:txBody>
       </p:sp>
-      <mc:AlternateContent xmlns:mc="http://schemas.openxmlformats.org/markup-compatibility/2006">
-        <mc:Choice xmlns:a14="http://schemas.microsoft.com/office/drawing/2010/main" Requires="a14">
+      <mc:AlternateContent xmlns:mc="http://schemas.openxmlformats.org/markup-compatibility/2006" xmlns:a14="http://schemas.microsoft.com/office/drawing/2010/main">
+        <mc:Choice Requires="a14">
           <p:sp>
             <p:nvSpPr>
               <p:cNvPr id="6147" name="Content Placeholder 2"/>
@@ -19742,7 +19742,7 @@
             </p:txBody>
           </p:sp>
         </mc:Choice>
-        <mc:Fallback>
+        <mc:Fallback xmlns="">
           <p:sp>
             <p:nvSpPr>
               <p:cNvPr id="6147" name="Content Placeholder 2"/>
@@ -19855,7 +19855,7 @@
                 <a:tabLst/>
                 <a:defRPr/>
               </a:pPr>
-              <a:t>1 juli 2025</a:t>
+              <a:t>7 juli 2025</a:t>
             </a:fld>
             <a:endParaRPr kumimoji="0" lang="nl-NL" sz="1100" b="0" i="0" u="none" strike="noStrike" kern="1200" cap="none" spc="0" normalizeH="0" baseline="0" noProof="0" smtClean="0">
               <a:ln>
@@ -20003,8 +20003,8 @@
           </a:p>
         </p:txBody>
       </p:sp>
-      <mc:AlternateContent xmlns:mc="http://schemas.openxmlformats.org/markup-compatibility/2006">
-        <mc:Choice xmlns:a14="http://schemas.microsoft.com/office/drawing/2010/main" Requires="a14">
+      <mc:AlternateContent xmlns:mc="http://schemas.openxmlformats.org/markup-compatibility/2006" xmlns:a14="http://schemas.microsoft.com/office/drawing/2010/main">
+        <mc:Choice Requires="a14">
           <p:sp>
             <p:nvSpPr>
               <p:cNvPr id="6147" name="Content Placeholder 2"/>
@@ -20031,11 +20031,7 @@
                 </a:r>
                 <a:r>
                   <a:rPr lang="en-US" sz="2400" dirty="0" err="1" smtClean="0"/>
-                  <a:t>bereken</a:t>
-                </a:r>
-                <a:r>
-                  <a:rPr lang="en-US" sz="2400" dirty="0" err="1" smtClean="0"/>
-                  <a:t>en</a:t>
+                  <a:t>berekenen</a:t>
                 </a:r>
                 <a:r>
                   <a:rPr lang="en-US" sz="2400" dirty="0" smtClean="0"/>
@@ -20122,11 +20118,7 @@
                 </a:r>
                 <a:r>
                   <a:rPr lang="en-US" sz="2400" dirty="0" smtClean="0"/>
-                  <a:t> of </a:t>
-                </a:r>
-                <a:r>
-                  <a:rPr lang="en-US" sz="2400" dirty="0" smtClean="0"/>
-                  <a:t>de </a:t>
+                  <a:t> of de </a:t>
                 </a:r>
                 <a:r>
                   <a:rPr lang="en-US" sz="2400" dirty="0" err="1" smtClean="0"/>
@@ -20290,11 +20282,7 @@
                 </a:r>
                 <a:r>
                   <a:rPr lang="en-US" sz="2400" b="1" dirty="0" smtClean="0"/>
-                  <a:t> </a:t>
-                </a:r>
-                <a:r>
-                  <a:rPr lang="en-US" sz="2400" b="1" dirty="0" smtClean="0"/>
-                  <a:t>(</a:t>
+                  <a:t> (</a:t>
                 </a:r>
                 <a:r>
                   <a:rPr lang="en-US" sz="2400" b="1" dirty="0" err="1" smtClean="0"/>
@@ -20697,7 +20685,7 @@
             </p:txBody>
           </p:sp>
         </mc:Choice>
-        <mc:Fallback>
+        <mc:Fallback xmlns="">
           <p:sp>
             <p:nvSpPr>
               <p:cNvPr id="6147" name="Content Placeholder 2"/>
@@ -20810,7 +20798,7 @@
                 <a:tabLst/>
                 <a:defRPr/>
               </a:pPr>
-              <a:t>1 juli 2025</a:t>
+              <a:t>7 juli 2025</a:t>
             </a:fld>
             <a:endParaRPr kumimoji="0" lang="nl-NL" sz="1100" b="0" i="0" u="none" strike="noStrike" kern="1200" cap="none" spc="0" normalizeH="0" baseline="0" noProof="0" smtClean="0">
               <a:ln>
@@ -21113,7 +21101,6 @@
                   <a:rPr lang="en-US" sz="2400" dirty="0"/>
                   <a:t>:</a:t>
                 </a:r>
-                <a:endParaRPr lang="en-US" sz="2400" dirty="0"/>
               </a:p>
               <a:p>
                 <a:endParaRPr lang="nl-NL" sz="2400" b="1" dirty="0" smtClean="0"/>
@@ -21239,7 +21226,11 @@
                 </a:pPr>
                 <a:r>
                   <a:rPr lang="nl-NL" sz="2400" b="1" dirty="0"/>
-                  <a:t>Grens kritiek gebied</a:t>
+                  <a:t>Grens kritiek </a:t>
+                </a:r>
+                <a:r>
+                  <a:rPr lang="nl-NL" sz="2400" b="1" dirty="0" smtClean="0"/>
+                  <a:t>gebied </a:t>
                 </a:r>
                 <a:r>
                   <a:rPr lang="en-US" sz="2400" b="1" dirty="0" smtClean="0"/>
@@ -21700,7 +21691,7 @@
                 <a:tabLst/>
                 <a:defRPr/>
               </a:pPr>
-              <a:t>1 juli 2025</a:t>
+              <a:t>7 juli 2025</a:t>
             </a:fld>
             <a:endParaRPr kumimoji="0" lang="nl-NL" sz="1100" b="0" i="0" u="none" strike="noStrike" kern="1200" cap="none" spc="0" normalizeH="0" baseline="0" noProof="0" smtClean="0">
               <a:ln>
@@ -21834,8 +21825,8 @@
           </p:sp>
         </mc:Fallback>
       </mc:AlternateContent>
-      <mc:AlternateContent xmlns:mc="http://schemas.openxmlformats.org/markup-compatibility/2006">
-        <mc:Choice xmlns:a14="http://schemas.microsoft.com/office/drawing/2010/main" Requires="a14">
+      <mc:AlternateContent xmlns:mc="http://schemas.openxmlformats.org/markup-compatibility/2006" xmlns:a14="http://schemas.microsoft.com/office/drawing/2010/main">
+        <mc:Choice Requires="a14">
           <p:sp>
             <p:nvSpPr>
               <p:cNvPr id="6147" name="Content Placeholder 2"/>
@@ -22042,7 +22033,6 @@
                   <a:rPr lang="en-US" sz="2400" b="1" dirty="0" smtClean="0"/>
                   <a:t>.</a:t>
                 </a:r>
-                <a:endParaRPr lang="en-US" sz="2400" b="1" dirty="0" smtClean="0"/>
               </a:p>
               <a:p>
                 <a:endParaRPr lang="nl-NL" sz="2400" b="1" dirty="0" smtClean="0"/>
@@ -22382,7 +22372,6 @@
                   <a:rPr lang="en-US" sz="2400" dirty="0" smtClean="0"/>
                   <a:t>.</a:t>
                 </a:r>
-                <a:endParaRPr lang="en-US" sz="2400" dirty="0" smtClean="0"/>
               </a:p>
               <a:p>
                 <a:endParaRPr lang="nl-NL" sz="2400" dirty="0" smtClean="0"/>
@@ -22396,11 +22385,7 @@
               <a:p>
                 <a:r>
                   <a:rPr lang="nl-NL" sz="2400" dirty="0" smtClean="0"/>
-                  <a:t>We hadden al bepaald dat</a:t>
-                </a:r>
-                <a:r>
-                  <a:rPr lang="nl-NL" sz="2400" dirty="0" smtClean="0"/>
-                  <a:t> </a:t>
+                  <a:t>We hadden al bepaald dat </a:t>
                 </a:r>
                 <a14:m>
                   <m:oMath xmlns:m="http://schemas.openxmlformats.org/officeDocument/2006/math">
@@ -22482,13 +22467,8 @@
                 </a14:m>
                 <a:r>
                   <a:rPr lang="nl-NL" sz="2400" dirty="0" smtClean="0"/>
-                  <a:t> minuten zijn gegeven</a:t>
-                </a:r>
-                <a:r>
-                  <a:rPr lang="nl-NL" sz="2400" dirty="0" smtClean="0"/>
-                  <a:t>.</a:t>
-                </a:r>
-                <a:endParaRPr lang="nl-NL" sz="2400" dirty="0" smtClean="0"/>
+                  <a:t> minuten zijn gegeven.</a:t>
+                </a:r>
               </a:p>
               <a:p>
                 <a:pPr algn="ctr"/>
@@ -22497,7 +22477,7 @@
             </p:txBody>
           </p:sp>
         </mc:Choice>
-        <mc:Fallback>
+        <mc:Fallback xmlns="">
           <p:sp>
             <p:nvSpPr>
               <p:cNvPr id="6147" name="Content Placeholder 2"/>
@@ -22610,7 +22590,7 @@
                 <a:tabLst/>
                 <a:defRPr/>
               </a:pPr>
-              <a:t>1 juli 2025</a:t>
+              <a:t>7 juli 2025</a:t>
             </a:fld>
             <a:endParaRPr kumimoji="0" lang="nl-NL" sz="1100" b="0" i="0" u="none" strike="noStrike" kern="1200" cap="none" spc="0" normalizeH="0" baseline="0" noProof="0" smtClean="0">
               <a:ln>
@@ -22744,8 +22724,8 @@
           </p:sp>
         </mc:Fallback>
       </mc:AlternateContent>
-      <mc:AlternateContent xmlns:mc="http://schemas.openxmlformats.org/markup-compatibility/2006">
-        <mc:Choice xmlns:a14="http://schemas.microsoft.com/office/drawing/2010/main" Requires="a14">
+      <mc:AlternateContent xmlns:mc="http://schemas.openxmlformats.org/markup-compatibility/2006" xmlns:a14="http://schemas.microsoft.com/office/drawing/2010/main">
+        <mc:Choice Requires="a14">
           <p:sp>
             <p:nvSpPr>
               <p:cNvPr id="6147" name="Content Placeholder 2"/>
@@ -22978,7 +22958,6 @@
                   <a:rPr lang="nl-NL" sz="2400" dirty="0" smtClean="0"/>
                   <a:t>In dit geval is de toetsingsgrootheid gelijk aan</a:t>
                 </a:r>
-                <a14:m/>
               </a:p>
               <a:p>
                 <a:endParaRPr lang="nl-NL" sz="2400" dirty="0" smtClean="0"/>
@@ -23282,7 +23261,7 @@
             </p:txBody>
           </p:sp>
         </mc:Choice>
-        <mc:Fallback>
+        <mc:Fallback xmlns="">
           <p:sp>
             <p:nvSpPr>
               <p:cNvPr id="6147" name="Content Placeholder 2"/>
@@ -23395,7 +23374,7 @@
                 <a:tabLst/>
                 <a:defRPr/>
               </a:pPr>
-              <a:t>1 juli 2025</a:t>
+              <a:t>7 juli 2025</a:t>
             </a:fld>
             <a:endParaRPr kumimoji="0" lang="nl-NL" sz="1100" b="0" i="0" u="none" strike="noStrike" kern="1200" cap="none" spc="0" normalizeH="0" baseline="0" noProof="0" smtClean="0">
               <a:ln>
@@ -24601,7 +24580,7 @@
                 <a:tabLst/>
                 <a:defRPr/>
               </a:pPr>
-              <a:t>1 juli 2025</a:t>
+              <a:t>7 juli 2025</a:t>
             </a:fld>
             <a:endParaRPr kumimoji="0" lang="nl-NL" sz="1100" b="0" i="0" u="none" strike="noStrike" kern="1200" cap="none" spc="0" normalizeH="0" baseline="0" noProof="0" smtClean="0">
               <a:ln>
@@ -25142,7 +25121,7 @@
                 <a:tabLst/>
                 <a:defRPr/>
               </a:pPr>
-              <a:t>1 juli 2025</a:t>
+              <a:t>7 juli 2025</a:t>
             </a:fld>
             <a:endParaRPr kumimoji="0" lang="nl-NL" sz="1100" b="0" i="0" u="none" strike="noStrike" kern="1200" cap="none" spc="0" normalizeH="0" baseline="0" noProof="0" smtClean="0">
               <a:ln>
@@ -25894,142 +25873,45 @@
           <a:chExt cx="0" cy="0"/>
         </a:xfrm>
       </p:grpSpPr>
-      <mc:AlternateContent xmlns:mc="http://schemas.openxmlformats.org/markup-compatibility/2006" xmlns:a14="http://schemas.microsoft.com/office/drawing/2010/main">
-        <mc:Choice Requires="a14">
-          <p:sp>
-            <p:nvSpPr>
-              <p:cNvPr id="6146" name="Title 1"/>
-              <p:cNvSpPr>
-                <a:spLocks noGrp="1"/>
-              </p:cNvSpPr>
-              <p:nvPr>
-                <p:ph type="title"/>
-              </p:nvPr>
-            </p:nvSpPr>
-            <p:spPr>
-              <a:xfrm>
-                <a:off x="814917" y="1265241"/>
-                <a:ext cx="10363200" cy="800219"/>
-              </a:xfrm>
-            </p:spPr>
-            <p:txBody>
-              <a:bodyPr/>
-              <a:lstStyle/>
-              <a:p>
-                <a:r>
-                  <a:rPr lang="nl-NL" dirty="0" smtClean="0"/>
-                  <a:t>Schema: toetsen voor </a:t>
-                </a:r>
-                <a14:m>
-                  <m:oMath xmlns:m="http://schemas.openxmlformats.org/officeDocument/2006/math">
-                    <m:sSub>
-                      <m:sSubPr>
-                        <m:ctrlPr>
-                          <a:rPr lang="nl-NL" b="0" i="1" smtClean="0">
-                            <a:latin typeface="Cambria Math" panose="02040503050406030204" pitchFamily="18" charset="0"/>
-                          </a:rPr>
-                        </m:ctrlPr>
-                      </m:sSubPr>
-                      <m:e>
-                        <m:r>
-                          <a:rPr lang="nl-NL" b="0" i="1" smtClean="0">
-                            <a:latin typeface="Cambria Math" panose="02040503050406030204" pitchFamily="18" charset="0"/>
-                          </a:rPr>
-                          <m:t>𝜇</m:t>
-                        </m:r>
-                      </m:e>
-                      <m:sub>
-                        <m:r>
-                          <a:rPr lang="nl-NL" b="0" i="1" smtClean="0">
-                            <a:latin typeface="Cambria Math" panose="02040503050406030204" pitchFamily="18" charset="0"/>
-                          </a:rPr>
-                          <m:t>𝑋</m:t>
-                        </m:r>
-                      </m:sub>
-                    </m:sSub>
-                    <m:r>
-                      <a:rPr lang="nl-NL" b="0" i="1" smtClean="0">
-                        <a:latin typeface="Cambria Math" panose="02040503050406030204" pitchFamily="18" charset="0"/>
-                      </a:rPr>
-                      <m:t>=</m:t>
-                    </m:r>
-                    <m:sSub>
-                      <m:sSubPr>
-                        <m:ctrlPr>
-                          <a:rPr lang="nl-NL" b="0" i="1" smtClean="0">
-                            <a:latin typeface="Cambria Math" panose="02040503050406030204" pitchFamily="18" charset="0"/>
-                          </a:rPr>
-                        </m:ctrlPr>
-                      </m:sSubPr>
-                      <m:e>
-                        <m:r>
-                          <a:rPr lang="nl-NL" b="0" i="1" smtClean="0">
-                            <a:latin typeface="Cambria Math" panose="02040503050406030204" pitchFamily="18" charset="0"/>
-                          </a:rPr>
-                          <m:t>𝜇</m:t>
-                        </m:r>
-                      </m:e>
-                      <m:sub>
-                        <m:r>
-                          <a:rPr lang="nl-NL" b="0" i="1" smtClean="0">
-                            <a:latin typeface="Cambria Math" panose="02040503050406030204" pitchFamily="18" charset="0"/>
-                          </a:rPr>
-                          <m:t>𝑌</m:t>
-                        </m:r>
-                      </m:sub>
-                    </m:sSub>
-                  </m:oMath>
-                </a14:m>
-                <a:r>
-                  <a:rPr lang="nl-NL" dirty="0" smtClean="0"/>
-                  <a:t> bij twee onafhankelijke populaties</a:t>
-                </a:r>
-                <a:br>
-                  <a:rPr lang="nl-NL" dirty="0" smtClean="0"/>
-                </a:br>
-                <a:endParaRPr lang="nl-NL" dirty="0" smtClean="0"/>
-              </a:p>
-            </p:txBody>
-          </p:sp>
-        </mc:Choice>
-        <mc:Fallback xmlns="">
-          <p:sp>
-            <p:nvSpPr>
-              <p:cNvPr id="6146" name="Title 1"/>
-              <p:cNvSpPr>
-                <a:spLocks noGrp="1" noRot="1" noChangeAspect="1" noMove="1" noResize="1" noEditPoints="1" noAdjustHandles="1" noChangeArrowheads="1" noChangeShapeType="1" noTextEdit="1"/>
-              </p:cNvSpPr>
-              <p:nvPr>
-                <p:ph type="title"/>
-              </p:nvPr>
-            </p:nvSpPr>
-            <p:spPr>
-              <a:xfrm>
-                <a:off x="814917" y="1265241"/>
-                <a:ext cx="10363200" cy="800219"/>
-              </a:xfrm>
-              <a:blipFill>
-                <a:blip r:embed="rId3"/>
-                <a:stretch>
-                  <a:fillRect l="-1941" t="-12977"/>
-                </a:stretch>
-              </a:blipFill>
-            </p:spPr>
-            <p:txBody>
-              <a:bodyPr/>
-              <a:lstStyle/>
-              <a:p>
-                <a:r>
-                  <a:rPr lang="en-US">
-                    <a:noFill/>
-                  </a:rPr>
-                  <a:t> </a:t>
-                </a:r>
-              </a:p>
-            </p:txBody>
-          </p:sp>
-        </mc:Fallback>
-      </mc:AlternateContent>
+      <p:sp>
+        <p:nvSpPr>
+          <p:cNvPr id="6146" name="Title 1"/>
+          <p:cNvSpPr>
+            <a:spLocks noGrp="1"/>
+          </p:cNvSpPr>
+          <p:nvPr>
+            <p:ph type="title"/>
+          </p:nvPr>
+        </p:nvSpPr>
+        <p:spPr>
+          <a:xfrm>
+            <a:off x="814917" y="1265241"/>
+            <a:ext cx="10363200" cy="800219"/>
+          </a:xfrm>
+        </p:spPr>
+        <p:txBody>
+          <a:bodyPr/>
+          <a:lstStyle/>
+          <a:p>
+            <a:r>
+              <a:rPr lang="nl-NL" dirty="0" smtClean="0"/>
+              <a:t>Schema: toetsen </a:t>
+            </a:r>
+            <a:r>
+              <a:rPr lang="nl-NL" smtClean="0"/>
+              <a:t>voor gemiddeldes bij </a:t>
+            </a:r>
+            <a:r>
+              <a:rPr lang="nl-NL" dirty="0" smtClean="0"/>
+              <a:t>twee onafhankelijke populaties</a:t>
+            </a:r>
+            <a:br>
+              <a:rPr lang="nl-NL" dirty="0" smtClean="0"/>
+            </a:br>
+            <a:endParaRPr lang="nl-NL" dirty="0" smtClean="0"/>
+          </a:p>
+        </p:txBody>
+      </p:sp>
       <p:sp>
         <p:nvSpPr>
           <p:cNvPr id="6148" name="Date Placeholder 3"/>
@@ -26105,7 +25987,7 @@
                 <a:tabLst/>
                 <a:defRPr/>
               </a:pPr>
-              <a:t>1 juli 2025</a:t>
+              <a:t>7 juli 2025</a:t>
             </a:fld>
             <a:endParaRPr kumimoji="0" lang="nl-NL" sz="1100" b="0" i="0" u="none" strike="noStrike" kern="1200" cap="none" spc="0" normalizeH="0" baseline="0" noProof="0" smtClean="0">
               <a:ln>
@@ -26145,7 +26027,7 @@
         </p:xfrm>
         <a:graphic>
           <a:graphicData uri="http://schemas.openxmlformats.org/drawingml/2006/diagram">
-            <dgm:relIds xmlns:dgm="http://schemas.openxmlformats.org/drawingml/2006/diagram" xmlns:r="http://schemas.openxmlformats.org/officeDocument/2006/relationships" r:dm="rId4" r:lo="rId5" r:qs="rId6" r:cs="rId7"/>
+            <dgm:relIds xmlns:dgm="http://schemas.openxmlformats.org/drawingml/2006/diagram" xmlns:r="http://schemas.openxmlformats.org/officeDocument/2006/relationships" r:dm="rId3" r:lo="rId4" r:qs="rId5" r:cs="rId6"/>
           </a:graphicData>
         </a:graphic>
       </p:graphicFrame>
@@ -26475,8 +26357,8 @@
         </p:nvCxnSpPr>
         <p:spPr bwMode="auto">
           <a:xfrm flipH="1">
-            <a:off x="2783632" y="2061627"/>
-            <a:ext cx="1654067" cy="395739"/>
+            <a:off x="2873188" y="2061627"/>
+            <a:ext cx="1564511" cy="395739"/>
           </a:xfrm>
           <a:prstGeom prst="straightConnector1">
             <a:avLst/>
@@ -26501,8 +26383,8 @@
           </a:fontRef>
         </p:style>
       </p:cxnSp>
-      <mc:AlternateContent xmlns:mc="http://schemas.openxmlformats.org/markup-compatibility/2006" xmlns:a14="http://schemas.microsoft.com/office/drawing/2010/main">
-        <mc:Choice Requires="a14">
+      <mc:AlternateContent xmlns:mc="http://schemas.openxmlformats.org/markup-compatibility/2006">
+        <mc:Choice xmlns:a14="http://schemas.microsoft.com/office/drawing/2010/main" Requires="a14">
           <p:sp>
             <p:nvSpPr>
               <p:cNvPr id="15" name="Rechthoek 14"/>
@@ -26511,8 +26393,8 @@
             </p:nvSpPr>
             <p:spPr bwMode="auto">
               <a:xfrm>
-                <a:off x="695400" y="2457366"/>
-                <a:ext cx="4176464" cy="1331674"/>
+                <a:off x="695399" y="2457366"/>
+                <a:ext cx="4355577" cy="1331674"/>
               </a:xfrm>
               <a:prstGeom prst="rect">
                 <a:avLst/>
@@ -27145,7 +27027,7 @@
             </p:txBody>
           </p:sp>
         </mc:Choice>
-        <mc:Fallback xmlns="">
+        <mc:Fallback>
           <p:sp>
             <p:nvSpPr>
               <p:cNvPr id="15" name="Rechthoek 14"/>
@@ -27156,8 +27038,8 @@
             </p:nvSpPr>
             <p:spPr bwMode="auto">
               <a:xfrm>
-                <a:off x="695400" y="2457366"/>
-                <a:ext cx="4176464" cy="1331674"/>
+                <a:off x="695399" y="2457366"/>
+                <a:ext cx="4355577" cy="1331674"/>
               </a:xfrm>
               <a:prstGeom prst="rect">
                 <a:avLst/>
@@ -27165,7 +27047,7 @@
               <a:blipFill>
                 <a:blip r:embed="rId10"/>
                 <a:stretch>
-                  <a:fillRect l="-2612" r="-2758"/>
+                  <a:fillRect l="-556" r="-417"/>
                 </a:stretch>
               </a:blipFill>
               <a:ln/>
@@ -27198,7 +27080,7 @@
         <p:spPr bwMode="auto">
           <a:xfrm>
             <a:off x="6744072" y="2061627"/>
-            <a:ext cx="832057" cy="331603"/>
+            <a:ext cx="956088" cy="331603"/>
           </a:xfrm>
           <a:prstGeom prst="straightConnector1">
             <a:avLst/>
@@ -27223,8 +27105,8 @@
           </a:fontRef>
         </p:style>
       </p:cxnSp>
-      <mc:AlternateContent xmlns:mc="http://schemas.openxmlformats.org/markup-compatibility/2006" xmlns:a14="http://schemas.microsoft.com/office/drawing/2010/main">
-        <mc:Choice Requires="a14">
+      <mc:AlternateContent xmlns:mc="http://schemas.openxmlformats.org/markup-compatibility/2006">
+        <mc:Choice xmlns:a14="http://schemas.microsoft.com/office/drawing/2010/main" Requires="a14">
           <p:sp>
             <p:nvSpPr>
               <p:cNvPr id="18" name="Rechthoek 17"/>
@@ -27233,8 +27115,8 @@
             </p:nvSpPr>
             <p:spPr bwMode="auto">
               <a:xfrm>
-                <a:off x="5487897" y="2393230"/>
-                <a:ext cx="4176464" cy="1293828"/>
+                <a:off x="5487896" y="2393230"/>
+                <a:ext cx="4424527" cy="1293828"/>
               </a:xfrm>
               <a:prstGeom prst="rect">
                 <a:avLst/>
@@ -27736,7 +27618,7 @@
                     </a:solidFill>
                     <a:effectLst/>
                   </a:rPr>
-                  <a:t>Is </a:t>
+                  <a:t>Wordt </a:t>
                 </a:r>
                 <a14:m>
                   <m:oMath xmlns:m="http://schemas.openxmlformats.org/officeDocument/2006/math">
@@ -27804,7 +27686,7 @@
             </p:txBody>
           </p:sp>
         </mc:Choice>
-        <mc:Fallback xmlns="">
+        <mc:Fallback>
           <p:sp>
             <p:nvSpPr>
               <p:cNvPr id="18" name="Rechthoek 17"/>
@@ -27815,8 +27697,8 @@
             </p:nvSpPr>
             <p:spPr bwMode="auto">
               <a:xfrm>
-                <a:off x="5487897" y="2393230"/>
-                <a:ext cx="4176464" cy="1293828"/>
+                <a:off x="5487896" y="2393230"/>
+                <a:ext cx="4424527" cy="1293828"/>
               </a:xfrm>
               <a:prstGeom prst="rect">
                 <a:avLst/>
@@ -27824,7 +27706,7 @@
               <a:blipFill>
                 <a:blip r:embed="rId11"/>
                 <a:stretch>
-                  <a:fillRect l="-1597" r="-1597" b="-2778"/>
+                  <a:fillRect b="-2778"/>
                 </a:stretch>
               </a:blipFill>
               <a:ln/>
@@ -27845,8 +27727,8 @@
           </p:sp>
         </mc:Fallback>
       </mc:AlternateContent>
-      <mc:AlternateContent xmlns:mc="http://schemas.openxmlformats.org/markup-compatibility/2006" xmlns:a14="http://schemas.microsoft.com/office/drawing/2010/main">
-        <mc:Choice Requires="a14">
+      <mc:AlternateContent xmlns:mc="http://schemas.openxmlformats.org/markup-compatibility/2006">
+        <mc:Choice xmlns:a14="http://schemas.microsoft.com/office/drawing/2010/main" Requires="a14">
           <p:sp>
             <p:nvSpPr>
               <p:cNvPr id="37" name="Rechthoek 36"/>
@@ -27855,8 +27737,8 @@
             </p:nvSpPr>
             <p:spPr bwMode="auto">
               <a:xfrm>
-                <a:off x="7896200" y="4313201"/>
-                <a:ext cx="4104456" cy="1843396"/>
+                <a:off x="7576129" y="4313200"/>
+                <a:ext cx="4424527" cy="1931135"/>
               </a:xfrm>
               <a:prstGeom prst="rect">
                 <a:avLst/>
@@ -27998,7 +27880,7 @@
                           <a:effectLst/>
                           <a:latin typeface="Cambria Math" panose="02040503050406030204" pitchFamily="18" charset="0"/>
                         </a:rPr>
-                        <m:t>𝑇</m:t>
+                        <m:t>𝑡</m:t>
                       </m:r>
                       <m:r>
                         <a:rPr kumimoji="0" lang="nl-NL" sz="1800" b="0" i="0" u="none" strike="noStrike" cap="none" normalizeH="0" smtClean="0">
@@ -28073,7 +27955,7 @@
                                       <a:effectLst/>
                                       <a:latin typeface="Cambria Math" panose="02040503050406030204" pitchFamily="18" charset="0"/>
                                     </a:rPr>
-                                    <m:t>𝑋</m:t>
+                                    <m:t>𝑥</m:t>
                                   </m:r>
                                 </m:e>
                               </m:bar>
@@ -28118,7 +28000,7 @@
                                       <a:effectLst/>
                                       <a:latin typeface="Cambria Math" panose="02040503050406030204" pitchFamily="18" charset="0"/>
                                     </a:rPr>
-                                    <m:t>𝑌</m:t>
+                                    <m:t>𝑦</m:t>
                                   </m:r>
                                 </m:e>
                               </m:bar>
@@ -28624,7 +28506,7 @@
             </p:txBody>
           </p:sp>
         </mc:Choice>
-        <mc:Fallback xmlns="">
+        <mc:Fallback>
           <p:sp>
             <p:nvSpPr>
               <p:cNvPr id="37" name="Rechthoek 36"/>
@@ -28635,8 +28517,8 @@
             </p:nvSpPr>
             <p:spPr bwMode="auto">
               <a:xfrm>
-                <a:off x="7896200" y="4313201"/>
-                <a:ext cx="4104456" cy="1843396"/>
+                <a:off x="7576129" y="4313200"/>
+                <a:ext cx="4424527" cy="1931135"/>
               </a:xfrm>
               <a:prstGeom prst="rect">
                 <a:avLst/>
@@ -28644,7 +28526,7 @@
               <a:blipFill>
                 <a:blip r:embed="rId12"/>
                 <a:stretch>
-                  <a:fillRect l="-3097" t="-3268" r="-3097" b="-4902"/>
+                  <a:fillRect b="-1563"/>
                 </a:stretch>
               </a:blipFill>
               <a:ln/>
@@ -28676,7 +28558,7 @@
         <p:spPr bwMode="auto">
           <a:xfrm>
             <a:off x="8760296" y="3687058"/>
-            <a:ext cx="1188132" cy="626143"/>
+            <a:ext cx="1028097" cy="626142"/>
           </a:xfrm>
           <a:prstGeom prst="straightConnector1">
             <a:avLst/>
@@ -28705,14 +28587,15 @@
         <p:nvCxnSpPr>
           <p:cNvPr id="47" name="Rechte verbindingslijn met pijl 46"/>
           <p:cNvCxnSpPr>
+            <a:stCxn id="6165" idx="3"/>
             <a:endCxn id="50" idx="0"/>
           </p:cNvCxnSpPr>
           <p:nvPr/>
         </p:nvCxnSpPr>
         <p:spPr bwMode="auto">
           <a:xfrm flipH="1">
-            <a:off x="5122790" y="3706106"/>
-            <a:ext cx="1398768" cy="607094"/>
+            <a:off x="4754801" y="3707837"/>
+            <a:ext cx="1826397" cy="541511"/>
           </a:xfrm>
           <a:prstGeom prst="straightConnector1">
             <a:avLst/>
@@ -28737,8 +28620,8 @@
           </a:fontRef>
         </p:style>
       </p:cxnSp>
-      <mc:AlternateContent xmlns:mc="http://schemas.openxmlformats.org/markup-compatibility/2006" xmlns:a14="http://schemas.microsoft.com/office/drawing/2010/main">
-        <mc:Choice Requires="a14">
+      <mc:AlternateContent xmlns:mc="http://schemas.openxmlformats.org/markup-compatibility/2006">
+        <mc:Choice xmlns:a14="http://schemas.microsoft.com/office/drawing/2010/main" Requires="a14">
           <p:sp>
             <p:nvSpPr>
               <p:cNvPr id="50" name="Rechthoek 49"/>
@@ -28747,8 +28630,8 @@
             </p:nvSpPr>
             <p:spPr bwMode="auto">
               <a:xfrm>
-                <a:off x="3071664" y="4313200"/>
-                <a:ext cx="4102251" cy="1843396"/>
+                <a:off x="2486549" y="4249348"/>
+                <a:ext cx="4536504" cy="1994988"/>
               </a:xfrm>
               <a:prstGeom prst="rect">
                 <a:avLst/>
@@ -28890,7 +28773,7 @@
                           <a:effectLst/>
                           <a:latin typeface="Cambria Math" panose="02040503050406030204" pitchFamily="18" charset="0"/>
                         </a:rPr>
-                        <m:t>𝑇</m:t>
+                        <m:t>𝑡</m:t>
                       </m:r>
                       <m:r>
                         <a:rPr kumimoji="0" lang="nl-NL" sz="1800" b="0" i="0" u="none" strike="noStrike" cap="none" normalizeH="0" smtClean="0">
@@ -28965,7 +28848,7 @@
                                       <a:effectLst/>
                                       <a:latin typeface="Cambria Math" panose="02040503050406030204" pitchFamily="18" charset="0"/>
                                     </a:rPr>
-                                    <m:t>𝑋</m:t>
+                                    <m:t>𝑥</m:t>
                                   </m:r>
                                 </m:e>
                               </m:bar>
@@ -29010,7 +28893,7 @@
                                       <a:effectLst/>
                                       <a:latin typeface="Cambria Math" panose="02040503050406030204" pitchFamily="18" charset="0"/>
                                     </a:rPr>
-                                    <m:t>𝑌</m:t>
+                                    <m:t>𝑦</m:t>
                                   </m:r>
                                 </m:e>
                               </m:bar>
@@ -29537,7 +29420,7 @@
             </p:txBody>
           </p:sp>
         </mc:Choice>
-        <mc:Fallback xmlns="">
+        <mc:Fallback>
           <p:sp>
             <p:nvSpPr>
               <p:cNvPr id="50" name="Rechthoek 49"/>
@@ -29548,8 +29431,8 @@
             </p:nvSpPr>
             <p:spPr bwMode="auto">
               <a:xfrm>
-                <a:off x="3071664" y="4313200"/>
-                <a:ext cx="4102251" cy="1843396"/>
+                <a:off x="2486549" y="4249348"/>
+                <a:ext cx="4536504" cy="1994988"/>
               </a:xfrm>
               <a:prstGeom prst="rect">
                 <a:avLst/>
@@ -29557,7 +29440,7 @@
               <a:blipFill>
                 <a:blip r:embed="rId13"/>
                 <a:stretch>
-                  <a:fillRect l="-3250" t="-3268" r="-3102" b="-4902"/>
+                  <a:fillRect/>
                 </a:stretch>
               </a:blipFill>
               <a:ln/>
@@ -29586,7 +29469,7 @@
         </p:nvSpPr>
         <p:spPr>
           <a:xfrm rot="20176581">
-            <a:off x="5535504" y="3615955"/>
+            <a:off x="5627493" y="3754262"/>
             <a:ext cx="995778" cy="307777"/>
           </a:xfrm>
           <a:prstGeom prst="rect">
@@ -29687,8 +29570,8 @@
           <p:nvPr/>
         </p:nvSpPr>
         <p:spPr>
-          <a:xfrm rot="2243818">
-            <a:off x="9258521" y="4077870"/>
+          <a:xfrm rot="1953793">
+            <a:off x="9344732" y="3967965"/>
             <a:ext cx="995778" cy="307777"/>
           </a:xfrm>
           <a:prstGeom prst="rect">
@@ -29857,7 +29740,7 @@
                 <a:tabLst/>
                 <a:defRPr/>
               </a:pPr>
-              <a:t>1 juli 2025</a:t>
+              <a:t>7 juli 2025</a:t>
             </a:fld>
             <a:endParaRPr kumimoji="0" lang="nl-NL" sz="1100" b="0" i="0" u="none" strike="noStrike" kern="1200" cap="none" spc="0" normalizeH="0" baseline="0" noProof="0" smtClean="0">
               <a:ln>
@@ -29876,8 +29759,8 @@
           </a:p>
         </p:txBody>
       </p:sp>
-      <mc:AlternateContent xmlns:mc="http://schemas.openxmlformats.org/markup-compatibility/2006">
-        <mc:Choice xmlns:a14="http://schemas.microsoft.com/office/drawing/2010/main" Requires="a14">
+      <mc:AlternateContent xmlns:mc="http://schemas.openxmlformats.org/markup-compatibility/2006" xmlns:a14="http://schemas.microsoft.com/office/drawing/2010/main">
+        <mc:Choice Requires="a14">
           <p:sp>
             <p:nvSpPr>
               <p:cNvPr id="2" name="Tijdelijke aanduiding voor inhoud 1"/>
@@ -29961,15 +29844,7 @@
                 </a:pPr>
                 <a:r>
                   <a:rPr lang="nl-NL" sz="2000" dirty="0" smtClean="0"/>
-                  <a:t>Toets of de gemiddelde reistijd voor traject A en traject </a:t>
-                </a:r>
-                <a:r>
-                  <a:rPr lang="nl-NL" sz="2000" dirty="0" smtClean="0"/>
-                  <a:t>B hetzelfde </a:t>
-                </a:r>
-                <a:r>
-                  <a:rPr lang="nl-NL" sz="2000" dirty="0" smtClean="0"/>
-                  <a:t>kan zijn (kies </a:t>
+                  <a:t>Toets of de gemiddelde reistijd voor traject A en traject B hetzelfde kan zijn (kies </a:t>
                 </a:r>
                 <a14:m>
                   <m:oMath xmlns:m="http://schemas.openxmlformats.org/officeDocument/2006/math">
@@ -30005,7 +29880,7 @@
             </p:txBody>
           </p:sp>
         </mc:Choice>
-        <mc:Fallback>
+        <mc:Fallback xmlns="">
           <p:sp>
             <p:nvSpPr>
               <p:cNvPr id="2" name="Tijdelijke aanduiding voor inhoud 1"/>
@@ -30186,7 +30061,7 @@
                 <a:tabLst/>
                 <a:defRPr/>
               </a:pPr>
-              <a:t>1 juli 2025</a:t>
+              <a:t>7 juli 2025</a:t>
             </a:fld>
             <a:endParaRPr kumimoji="0" lang="nl-NL" sz="1100" b="0" i="0" u="none" strike="noStrike" kern="1200" cap="none" spc="0" normalizeH="0" baseline="0" noProof="0" smtClean="0">
               <a:ln>
@@ -30833,7 +30708,7 @@
                 <a:tabLst/>
                 <a:defRPr/>
               </a:pPr>
-              <a:t>1 juli 2025</a:t>
+              <a:t>7 juli 2025</a:t>
             </a:fld>
             <a:endParaRPr kumimoji="0" lang="nl-NL" sz="1100" b="0" i="0" u="none" strike="noStrike" kern="1200" cap="none" spc="0" normalizeH="0" baseline="0" noProof="0" smtClean="0">
               <a:ln>
@@ -31879,7 +31754,7 @@
                 <a:tabLst/>
                 <a:defRPr/>
               </a:pPr>
-              <a:t>1 juli 2025</a:t>
+              <a:t>7 juli 2025</a:t>
             </a:fld>
             <a:endParaRPr kumimoji="0" lang="nl-NL" sz="1100" b="0" i="0" u="none" strike="noStrike" kern="1200" cap="none" spc="0" normalizeH="0" baseline="0" noProof="0" smtClean="0">
               <a:ln>
@@ -31898,8 +31773,8 @@
           </a:p>
         </p:txBody>
       </p:sp>
-      <mc:AlternateContent xmlns:mc="http://schemas.openxmlformats.org/markup-compatibility/2006">
-        <mc:Choice xmlns:a14="http://schemas.microsoft.com/office/drawing/2010/main" Requires="a14">
+      <mc:AlternateContent xmlns:mc="http://schemas.openxmlformats.org/markup-compatibility/2006" xmlns:a14="http://schemas.microsoft.com/office/drawing/2010/main">
+        <mc:Choice Requires="a14">
           <p:sp>
             <p:nvSpPr>
               <p:cNvPr id="2" name="Tijdelijke aanduiding voor inhoud 1"/>
@@ -32254,7 +32129,6 @@
                 </a:endParaRPr>
               </a:p>
               <a:p>
-                <a:pPr/>
                 <a:endParaRPr lang="nl-NL" sz="2400" b="0" i="1" dirty="0" smtClean="0">
                   <a:latin typeface="Cambria Math" panose="02040503050406030204" pitchFamily="18" charset="0"/>
                 </a:endParaRPr>
@@ -32410,7 +32284,7 @@
             </p:txBody>
           </p:sp>
         </mc:Choice>
-        <mc:Fallback>
+        <mc:Fallback xmlns="">
           <p:sp>
             <p:nvSpPr>
               <p:cNvPr id="2" name="Tijdelijke aanduiding voor inhoud 1"/>
@@ -32591,7 +32465,7 @@
                 <a:tabLst/>
                 <a:defRPr/>
               </a:pPr>
-              <a:t>1 juli 2025</a:t>
+              <a:t>7 juli 2025</a:t>
             </a:fld>
             <a:endParaRPr kumimoji="0" lang="nl-NL" sz="1100" b="0" i="0" u="none" strike="noStrike" kern="1200" cap="none" spc="0" normalizeH="0" baseline="0" noProof="0" smtClean="0">
               <a:ln>
@@ -32610,8 +32484,8 @@
           </a:p>
         </p:txBody>
       </p:sp>
-      <mc:AlternateContent xmlns:mc="http://schemas.openxmlformats.org/markup-compatibility/2006">
-        <mc:Choice xmlns:a14="http://schemas.microsoft.com/office/drawing/2010/main" Requires="a14">
+      <mc:AlternateContent xmlns:mc="http://schemas.openxmlformats.org/markup-compatibility/2006" xmlns:a14="http://schemas.microsoft.com/office/drawing/2010/main">
+        <mc:Choice Requires="a14">
           <p:sp>
             <p:nvSpPr>
               <p:cNvPr id="2" name="Tijdelijke aanduiding voor inhoud 1"/>
@@ -32643,19 +32517,11 @@
               <a:p>
                 <a:r>
                   <a:rPr lang="nl-NL" sz="2400" b="1" dirty="0" smtClean="0"/>
-                  <a:t>Methode 1 (kritiek gebied</a:t>
-                </a:r>
-                <a:r>
-                  <a:rPr lang="nl-NL" sz="2400" b="1" dirty="0" smtClean="0"/>
-                  <a:t>): </a:t>
+                  <a:t>Methode 1 (kritiek gebied): </a:t>
                 </a:r>
                 <a:r>
                   <a:rPr lang="nl-NL" sz="2400" dirty="0" smtClean="0"/>
-                  <a:t>de </a:t>
-                </a:r>
-                <a:r>
-                  <a:rPr lang="nl-NL" sz="2400" dirty="0" smtClean="0"/>
-                  <a:t>toetsingsgrootheid </a:t>
+                  <a:t>de toetsingsgrootheid </a:t>
                 </a:r>
                 <a14:m>
                   <m:oMath xmlns:m="http://schemas.openxmlformats.org/officeDocument/2006/math">
@@ -33326,11 +33192,7 @@
               <a:p>
                 <a:r>
                   <a:rPr lang="nl-NL" sz="2400" dirty="0" smtClean="0"/>
-                  <a:t>De </a:t>
-                </a:r>
-                <a:r>
-                  <a:rPr lang="nl-NL" sz="2400" dirty="0" smtClean="0"/>
-                  <a:t>toetsingsgrootheid </a:t>
+                  <a:t>De toetsingsgrootheid </a:t>
                 </a:r>
                 <a14:m>
                   <m:oMath xmlns:m="http://schemas.openxmlformats.org/officeDocument/2006/math">
@@ -33392,18 +33254,13 @@
               <a:p>
                 <a:r>
                   <a:rPr lang="nl-NL" sz="2400" b="1" dirty="0" smtClean="0"/>
-                  <a:t>Er is voldoende reden om aan te nemen dat de varianties NIET gelijk zijn</a:t>
-                </a:r>
-                <a:r>
-                  <a:rPr lang="nl-NL" sz="2400" b="1" dirty="0" smtClean="0"/>
-                  <a:t>.</a:t>
-                </a:r>
-                <a:endParaRPr lang="nl-NL" sz="2400" b="1" dirty="0" smtClean="0"/>
+                  <a:t>Er is voldoende reden om aan te nemen dat de varianties NIET gelijk zijn.</a:t>
+                </a:r>
               </a:p>
             </p:txBody>
           </p:sp>
         </mc:Choice>
-        <mc:Fallback>
+        <mc:Fallback xmlns="">
           <p:sp>
             <p:nvSpPr>
               <p:cNvPr id="2" name="Tijdelijke aanduiding voor inhoud 1"/>
@@ -33500,15 +33357,7 @@
           <a:p>
             <a:r>
               <a:rPr lang="nl-NL" dirty="0" smtClean="0"/>
-              <a:t>Opdracht </a:t>
-            </a:r>
-            <a:r>
-              <a:rPr lang="nl-NL" dirty="0" smtClean="0"/>
-              <a:t>11.20a: </a:t>
-            </a:r>
-            <a:r>
-              <a:rPr lang="nl-NL" dirty="0" smtClean="0"/>
-              <a:t>toets voor gelijke variantie </a:t>
+              <a:t>Opdracht 11.20a: toets voor gelijke variantie </a:t>
             </a:r>
             <a:br>
               <a:rPr lang="nl-NL" dirty="0" smtClean="0"/>
@@ -33592,7 +33441,7 @@
                 <a:tabLst/>
                 <a:defRPr/>
               </a:pPr>
-              <a:t>1 juli 2025</a:t>
+              <a:t>7 juli 2025</a:t>
             </a:fld>
             <a:endParaRPr kumimoji="0" lang="nl-NL" sz="1100" b="0" i="0" u="none" strike="noStrike" kern="1200" cap="none" spc="0" normalizeH="0" baseline="0" noProof="0" smtClean="0">
               <a:ln>
@@ -33611,8 +33460,8 @@
           </a:p>
         </p:txBody>
       </p:sp>
-      <mc:AlternateContent xmlns:mc="http://schemas.openxmlformats.org/markup-compatibility/2006">
-        <mc:Choice xmlns:a14="http://schemas.microsoft.com/office/drawing/2010/main" Requires="a14">
+      <mc:AlternateContent xmlns:mc="http://schemas.openxmlformats.org/markup-compatibility/2006" xmlns:a14="http://schemas.microsoft.com/office/drawing/2010/main">
+        <mc:Choice Requires="a14">
           <p:sp>
             <p:nvSpPr>
               <p:cNvPr id="2" name="Tijdelijke aanduiding voor inhoud 1"/>
@@ -33658,19 +33507,11 @@
                 </a14:m>
                 <a:r>
                   <a:rPr lang="nl-NL" sz="2400" b="1" dirty="0" smtClean="0"/>
-                  <a:t>-waarde</a:t>
-                </a:r>
-                <a:r>
-                  <a:rPr lang="nl-NL" sz="2400" b="1" dirty="0" smtClean="0"/>
-                  <a:t>): </a:t>
+                  <a:t>-waarde): </a:t>
                 </a:r>
                 <a:r>
                   <a:rPr lang="nl-NL" sz="2400" dirty="0" smtClean="0"/>
-                  <a:t>de </a:t>
-                </a:r>
-                <a:r>
-                  <a:rPr lang="nl-NL" sz="2400" dirty="0" smtClean="0"/>
-                  <a:t>toetsingsgrootheid </a:t>
+                  <a:t>de toetsingsgrootheid </a:t>
                 </a:r>
                 <a14:m>
                   <m:oMath xmlns:m="http://schemas.openxmlformats.org/officeDocument/2006/math">
@@ -33774,15 +33615,7 @@
                 </a14:m>
                 <a:r>
                   <a:rPr lang="nl-NL" sz="2400" dirty="0" smtClean="0"/>
-                  <a:t>-waarde </a:t>
-                </a:r>
-                <a:r>
-                  <a:rPr lang="nl-NL" sz="2400" dirty="0" smtClean="0"/>
-                  <a:t>(overschrijdingskans) gegeven </a:t>
-                </a:r>
-                <a:r>
-                  <a:rPr lang="nl-NL" sz="2400" dirty="0" smtClean="0"/>
-                  <a:t>door</a:t>
+                  <a:t>-waarde (overschrijdingskans) gegeven door</a:t>
                 </a:r>
               </a:p>
               <a:p>
@@ -33826,7 +33659,7 @@
                       <m:d>
                         <m:dPr>
                           <m:ctrlPr>
-                            <a:rPr lang="nl-NL" sz="2400" b="0" i="0" smtClean="0">
+                            <a:rPr lang="nl-NL" sz="2400" b="0" i="1" smtClean="0">
                               <a:solidFill>
                                 <a:schemeClr val="tx1"/>
                               </a:solidFill>
@@ -33880,7 +33713,7 @@
                           <m:sSup>
                             <m:sSupPr>
                               <m:ctrlPr>
-                                <a:rPr lang="nl-NL" sz="2400" b="0" i="0" smtClean="0">
+                                <a:rPr lang="nl-NL" sz="2400" b="0" i="1" smtClean="0">
                                   <a:solidFill>
                                     <a:schemeClr val="tx1"/>
                                   </a:solidFill>
@@ -34121,18 +33954,14 @@
               <a:p>
                 <a:r>
                   <a:rPr lang="nl-NL" sz="2400" b="1" dirty="0" smtClean="0"/>
-                  <a:t>Er is voldoende reden om aan te nemen dat de varianties NIET gelijk zijn</a:t>
-                </a:r>
-                <a:r>
-                  <a:rPr lang="nl-NL" sz="2400" b="1" dirty="0" smtClean="0"/>
-                  <a:t>.</a:t>
+                  <a:t>Er is voldoende reden om aan te nemen dat de varianties NIET gelijk zijn.</a:t>
                 </a:r>
                 <a:endParaRPr lang="nl-NL" sz="2000" b="1" dirty="0" smtClean="0"/>
               </a:p>
             </p:txBody>
           </p:sp>
         </mc:Choice>
-        <mc:Fallback>
+        <mc:Fallback xmlns="">
           <p:sp>
             <p:nvSpPr>
               <p:cNvPr id="2" name="Tijdelijke aanduiding voor inhoud 1"/>
@@ -34229,23 +34058,7 @@
           <a:p>
             <a:r>
               <a:rPr lang="nl-NL" dirty="0" smtClean="0"/>
-              <a:t>Opdracht </a:t>
-            </a:r>
-            <a:r>
-              <a:rPr lang="nl-NL" dirty="0" smtClean="0"/>
-              <a:t>11.20b: </a:t>
-            </a:r>
-            <a:r>
-              <a:rPr lang="nl-NL" dirty="0" smtClean="0"/>
-              <a:t>toets voor gelijke </a:t>
-            </a:r>
-            <a:r>
-              <a:rPr lang="nl-NL" dirty="0" smtClean="0"/>
-              <a:t>gemiddeldes </a:t>
-            </a:r>
-            <a:r>
-              <a:rPr lang="nl-NL" dirty="0" smtClean="0"/>
-              <a:t/>
+              <a:t>Opdracht 11.20b: toets voor gelijke gemiddeldes </a:t>
             </a:r>
             <a:br>
               <a:rPr lang="nl-NL" dirty="0" smtClean="0"/>
@@ -34329,7 +34142,7 @@
                 <a:tabLst/>
                 <a:defRPr/>
               </a:pPr>
-              <a:t>1 juli 2025</a:t>
+              <a:t>7 juli 2025</a:t>
             </a:fld>
             <a:endParaRPr kumimoji="0" lang="nl-NL" sz="1100" b="0" i="0" u="none" strike="noStrike" kern="1200" cap="none" spc="0" normalizeH="0" baseline="0" noProof="0" smtClean="0">
               <a:ln>
@@ -34348,8 +34161,8 @@
           </a:p>
         </p:txBody>
       </p:sp>
-      <mc:AlternateContent xmlns:mc="http://schemas.openxmlformats.org/markup-compatibility/2006">
-        <mc:Choice xmlns:a14="http://schemas.microsoft.com/office/drawing/2010/main" Requires="a14">
+      <mc:AlternateContent xmlns:mc="http://schemas.openxmlformats.org/markup-compatibility/2006" xmlns:a14="http://schemas.microsoft.com/office/drawing/2010/main">
+        <mc:Choice Requires="a14">
           <p:sp>
             <p:nvSpPr>
               <p:cNvPr id="2" name="Tijdelijke aanduiding voor inhoud 1"/>
@@ -34813,7 +34626,7 @@
             </p:txBody>
           </p:sp>
         </mc:Choice>
-        <mc:Fallback>
+        <mc:Fallback xmlns="">
           <p:sp>
             <p:nvSpPr>
               <p:cNvPr id="2" name="Tijdelijke aanduiding voor inhoud 1"/>
@@ -34994,7 +34807,7 @@
                 <a:tabLst/>
                 <a:defRPr/>
               </a:pPr>
-              <a:t>1 juli 2025</a:t>
+              <a:t>7 juli 2025</a:t>
             </a:fld>
             <a:endParaRPr kumimoji="0" lang="nl-NL" sz="1100" b="0" i="0" u="none" strike="noStrike" kern="1200" cap="none" spc="0" normalizeH="0" baseline="0" noProof="0" smtClean="0">
               <a:ln>
@@ -35047,55 +34860,50 @@
                 </a:r>
               </a:p>
               <a:p>
+                <a:pPr/>
                 <a14:m>
                   <m:oMathPara xmlns:m="http://schemas.openxmlformats.org/officeDocument/2006/math">
                     <m:oMathParaPr>
                       <m:jc m:val="centerGroup"/>
                     </m:oMathParaPr>
                     <m:oMath xmlns:m="http://schemas.openxmlformats.org/officeDocument/2006/math">
-                      <m:r>
-                        <a:rPr lang="nl-NL" sz="2400" b="1" i="1">
-                          <a:latin typeface="Cambria Math" panose="02040503050406030204" pitchFamily="18" charset="0"/>
-                        </a:rPr>
-                        <m:t> </m:t>
-                      </m:r>
-                      <m:sSub>
-                        <m:sSubPr>
+                      <m:bar>
+                        <m:barPr>
+                          <m:pos m:val="top"/>
                           <m:ctrlPr>
-                            <a:rPr lang="nl-NL" sz="2400" i="1">
+                            <a:rPr lang="nl-NL" sz="2400" b="0" i="1" smtClean="0">
                               <a:latin typeface="Cambria Math" panose="02040503050406030204" pitchFamily="18" charset="0"/>
                             </a:rPr>
                           </m:ctrlPr>
-                        </m:sSubPr>
+                        </m:barPr>
                         <m:e>
-                          <m:bar>
-                            <m:barPr>
-                              <m:pos m:val="top"/>
+                          <m:sSub>
+                            <m:sSubPr>
                               <m:ctrlPr>
-                                <a:rPr lang="nl-NL" sz="2400" i="1">
+                                <a:rPr lang="nl-NL" sz="2400" b="0" i="1" smtClean="0">
                                   <a:latin typeface="Cambria Math" panose="02040503050406030204" pitchFamily="18" charset="0"/>
                                 </a:rPr>
                               </m:ctrlPr>
-                            </m:barPr>
+                            </m:sSubPr>
                             <m:e>
                               <m:r>
-                                <a:rPr lang="nl-NL" sz="2400" i="1">
+                                <a:rPr lang="nl-NL" sz="2400" b="0" i="1" smtClean="0">
                                   <a:latin typeface="Cambria Math" panose="02040503050406030204" pitchFamily="18" charset="0"/>
                                 </a:rPr>
                                 <m:t>𝑥</m:t>
                               </m:r>
                             </m:e>
-                          </m:bar>
+                            <m:sub>
+                              <m:r>
+                                <a:rPr lang="nl-NL" sz="2400" b="0" i="1" smtClean="0">
+                                  <a:latin typeface="Cambria Math" panose="02040503050406030204" pitchFamily="18" charset="0"/>
+                                </a:rPr>
+                                <m:t>𝐴</m:t>
+                              </m:r>
+                            </m:sub>
+                          </m:sSub>
                         </m:e>
-                        <m:sub>
-                          <m:r>
-                            <a:rPr lang="nl-NL" sz="2400" i="1">
-                              <a:latin typeface="Cambria Math" panose="02040503050406030204" pitchFamily="18" charset="0"/>
-                            </a:rPr>
-                            <m:t>𝐴</m:t>
-                          </m:r>
-                        </m:sub>
-                      </m:sSub>
+                      </m:bar>
                       <m:r>
                         <a:rPr lang="nl-NL" sz="2400" i="1">
                           <a:latin typeface="Cambria Math" panose="02040503050406030204" pitchFamily="18" charset="0"/>
@@ -35147,43 +34955,43 @@
                         </a:rPr>
                         <m:t>≈407,5555,  </m:t>
                       </m:r>
-                      <m:sSub>
-                        <m:sSubPr>
+                      <m:bar>
+                        <m:barPr>
+                          <m:pos m:val="top"/>
                           <m:ctrlPr>
-                            <a:rPr lang="nl-NL" sz="2400" i="1">
+                            <a:rPr lang="nl-NL" sz="2400" b="0" i="1" smtClean="0">
                               <a:latin typeface="Cambria Math" panose="02040503050406030204" pitchFamily="18" charset="0"/>
                             </a:rPr>
                           </m:ctrlPr>
-                        </m:sSubPr>
+                        </m:barPr>
                         <m:e>
-                          <m:bar>
-                            <m:barPr>
-                              <m:pos m:val="top"/>
+                          <m:sSub>
+                            <m:sSubPr>
                               <m:ctrlPr>
-                                <a:rPr lang="nl-NL" sz="2400" i="1">
+                                <a:rPr lang="nl-NL" sz="2400" b="0" i="1" smtClean="0">
                                   <a:latin typeface="Cambria Math" panose="02040503050406030204" pitchFamily="18" charset="0"/>
                                 </a:rPr>
                               </m:ctrlPr>
-                            </m:barPr>
+                            </m:sSubPr>
                             <m:e>
                               <m:r>
-                                <a:rPr lang="nl-NL" sz="2400" i="1">
+                                <a:rPr lang="nl-NL" sz="2400" b="0" i="1" smtClean="0">
                                   <a:latin typeface="Cambria Math" panose="02040503050406030204" pitchFamily="18" charset="0"/>
                                 </a:rPr>
                                 <m:t>𝑥</m:t>
                               </m:r>
                             </m:e>
-                          </m:bar>
+                            <m:sub>
+                              <m:r>
+                                <a:rPr lang="nl-NL" sz="2400" b="0" i="1" smtClean="0">
+                                  <a:latin typeface="Cambria Math" panose="02040503050406030204" pitchFamily="18" charset="0"/>
+                                </a:rPr>
+                                <m:t>𝐵</m:t>
+                              </m:r>
+                            </m:sub>
+                          </m:sSub>
                         </m:e>
-                        <m:sub>
-                          <m:r>
-                            <a:rPr lang="nl-NL" sz="2400" i="1">
-                              <a:latin typeface="Cambria Math" panose="02040503050406030204" pitchFamily="18" charset="0"/>
-                            </a:rPr>
-                            <m:t>𝐵</m:t>
-                          </m:r>
-                        </m:sub>
-                      </m:sSub>
+                      </m:bar>
                       <m:r>
                         <a:rPr lang="nl-NL" sz="2400" i="1">
                           <a:latin typeface="Cambria Math" panose="02040503050406030204" pitchFamily="18" charset="0"/>
@@ -35288,6 +35096,7 @@
                 </a:endParaRPr>
               </a:p>
               <a:p>
+                <a:pPr/>
                 <a14:m>
                   <m:oMathPara xmlns:m="http://schemas.openxmlformats.org/officeDocument/2006/math">
                     <m:oMathParaPr>
@@ -35295,13 +35104,13 @@
                     </m:oMathParaPr>
                     <m:oMath xmlns:m="http://schemas.openxmlformats.org/officeDocument/2006/math">
                       <m:r>
-                        <a:rPr lang="nl-NL" sz="2400" i="1">
+                        <a:rPr lang="nl-NL" sz="2400" b="0" i="1" smtClean="0">
                           <a:solidFill>
                             <a:schemeClr val="tx1"/>
                           </a:solidFill>
                           <a:latin typeface="Cambria Math" panose="02040503050406030204" pitchFamily="18" charset="0"/>
                         </a:rPr>
-                        <m:t>𝑇</m:t>
+                        <m:t>𝑡</m:t>
                       </m:r>
                       <m:r>
                         <a:rPr lang="nl-NL" sz="2400">
@@ -35362,13 +35171,13 @@
                                     </m:sSubPr>
                                     <m:e>
                                       <m:r>
-                                        <a:rPr lang="nl-NL" sz="2400" i="1">
+                                        <a:rPr lang="nl-NL" sz="2400" b="0" i="1" smtClean="0">
                                           <a:solidFill>
                                             <a:schemeClr val="tx1"/>
                                           </a:solidFill>
                                           <a:latin typeface="Cambria Math" panose="02040503050406030204" pitchFamily="18" charset="0"/>
                                         </a:rPr>
-                                        <m:t>𝑋</m:t>
+                                        <m:t>𝑥</m:t>
                                       </m:r>
                                     </m:e>
                                     <m:sub>
@@ -35426,7 +35235,7 @@
                                           </a:solidFill>
                                           <a:latin typeface="Cambria Math" panose="02040503050406030204" pitchFamily="18" charset="0"/>
                                         </a:rPr>
-                                        <m:t>𝑋</m:t>
+                                        <m:t>𝑥</m:t>
                                       </m:r>
                                     </m:e>
                                     <m:sub>
@@ -35715,33 +35524,6 @@
                         </m:den>
                       </m:f>
                       <m:r>
-                        <a:rPr lang="nl-NL" sz="2400" b="0" i="1">
-                          <a:solidFill>
-                            <a:schemeClr val="tx1"/>
-                          </a:solidFill>
-                          <a:latin typeface="Cambria Math" panose="02040503050406030204" pitchFamily="18" charset="0"/>
-                        </a:rPr>
-                        <m:t>       </m:t>
-                      </m:r>
-                      <m:r>
-                        <a:rPr lang="nl-NL" sz="2400" b="0" i="1" smtClean="0">
-                          <a:solidFill>
-                            <a:schemeClr val="tx1"/>
-                          </a:solidFill>
-                          <a:latin typeface="Cambria Math" panose="02040503050406030204" pitchFamily="18" charset="0"/>
-                        </a:rPr>
-                        <m:t> →        </m:t>
-                      </m:r>
-                      <m:r>
-                        <a:rPr lang="nl-NL" sz="2400" b="0" i="1" smtClean="0">
-                          <a:solidFill>
-                            <a:schemeClr val="tx1"/>
-                          </a:solidFill>
-                          <a:latin typeface="Cambria Math" panose="02040503050406030204" pitchFamily="18" charset="0"/>
-                        </a:rPr>
-                        <m:t>𝑡</m:t>
-                      </m:r>
-                      <m:r>
                         <a:rPr lang="nl-NL" sz="2400" b="0" i="1" smtClean="0">
                           <a:latin typeface="Cambria Math" panose="02040503050406030204" pitchFamily="18" charset="0"/>
                         </a:rPr>
@@ -36309,7 +36091,7 @@
                 <a:tabLst/>
                 <a:defRPr/>
               </a:pPr>
-              <a:t>1 juli 2025</a:t>
+              <a:t>7 juli 2025</a:t>
             </a:fld>
             <a:endParaRPr kumimoji="0" lang="nl-NL" sz="1100" b="0" i="0" u="none" strike="noStrike" kern="1200" cap="none" spc="0" normalizeH="0" baseline="0" noProof="0" smtClean="0">
               <a:ln>
@@ -36328,8 +36110,8 @@
           </a:p>
         </p:txBody>
       </p:sp>
-      <mc:AlternateContent xmlns:mc="http://schemas.openxmlformats.org/markup-compatibility/2006">
-        <mc:Choice xmlns:a14="http://schemas.microsoft.com/office/drawing/2010/main" Requires="a14">
+      <mc:AlternateContent xmlns:mc="http://schemas.openxmlformats.org/markup-compatibility/2006" xmlns:a14="http://schemas.microsoft.com/office/drawing/2010/main">
+        <mc:Choice Requires="a14">
           <p:sp>
             <p:nvSpPr>
               <p:cNvPr id="2" name="Tijdelijke aanduiding voor inhoud 1"/>
@@ -36996,13 +36778,7 @@
                             <a:rPr lang="nl-NL" sz="2400" i="1">
                               <a:latin typeface="Cambria Math" panose="02040503050406030204" pitchFamily="18" charset="0"/>
                             </a:rPr>
-                            <m:t>0</m:t>
-                          </m:r>
-                          <m:r>
-                            <a:rPr lang="nl-NL" sz="2400" i="1">
-                              <a:latin typeface="Cambria Math" panose="02040503050406030204" pitchFamily="18" charset="0"/>
-                            </a:rPr>
-                            <m:t>,</m:t>
+                            <m:t>0,</m:t>
                           </m:r>
                           <m:r>
                             <a:rPr lang="nl-NL" sz="2400" b="0" i="1" smtClean="0">
@@ -37014,13 +36790,7 @@
                             <a:rPr lang="nl-NL" sz="2400" i="1">
                               <a:latin typeface="Cambria Math" panose="02040503050406030204" pitchFamily="18" charset="0"/>
                             </a:rPr>
-                            <m:t>5</m:t>
-                          </m:r>
-                          <m:r>
-                            <a:rPr lang="nl-NL" sz="2400" i="1">
-                              <a:latin typeface="Cambria Math" panose="02040503050406030204" pitchFamily="18" charset="0"/>
-                            </a:rPr>
-                            <m:t>;</m:t>
+                            <m:t>5;</m:t>
                           </m:r>
                           <m:r>
                             <a:rPr lang="nl-NL" sz="2400">
@@ -37048,7 +36818,6 @@
                 <a:endParaRPr lang="nl-NL" sz="2400" dirty="0"/>
               </a:p>
               <a:p>
-                <a:pPr/>
                 <a:endParaRPr lang="en-US" sz="2400" dirty="0"/>
               </a:p>
               <a:p>
@@ -37257,7 +37026,7 @@
             </p:txBody>
           </p:sp>
         </mc:Choice>
-        <mc:Fallback>
+        <mc:Fallback xmlns="">
           <p:sp>
             <p:nvSpPr>
               <p:cNvPr id="2" name="Tijdelijke aanduiding voor inhoud 1"/>
@@ -37438,7 +37207,7 @@
                 <a:tabLst/>
                 <a:defRPr/>
               </a:pPr>
-              <a:t>1 juli 2025</a:t>
+              <a:t>7 juli 2025</a:t>
             </a:fld>
             <a:endParaRPr kumimoji="0" lang="nl-NL" sz="1100" b="0" i="0" u="none" strike="noStrike" kern="1200" cap="none" spc="0" normalizeH="0" baseline="0" noProof="0" smtClean="0">
               <a:ln>
@@ -37457,8 +37226,8 @@
           </a:p>
         </p:txBody>
       </p:sp>
-      <mc:AlternateContent xmlns:mc="http://schemas.openxmlformats.org/markup-compatibility/2006">
-        <mc:Choice xmlns:a14="http://schemas.microsoft.com/office/drawing/2010/main" Requires="a14">
+      <mc:AlternateContent xmlns:mc="http://schemas.openxmlformats.org/markup-compatibility/2006" xmlns:a14="http://schemas.microsoft.com/office/drawing/2010/main">
+        <mc:Choice Requires="a14">
           <p:sp>
             <p:nvSpPr>
               <p:cNvPr id="2" name="Tijdelijke aanduiding voor inhoud 1"/>
@@ -37532,7 +37301,7 @@
                     <m:d>
                       <m:dPr>
                         <m:ctrlPr>
-                          <a:rPr lang="nl-NL" sz="2400" i="0" smtClean="0">
+                          <a:rPr lang="nl-NL" sz="2400" i="1" smtClean="0">
                             <a:latin typeface="Cambria Math" panose="02040503050406030204" pitchFamily="18" charset="0"/>
                           </a:rPr>
                         </m:ctrlPr>
@@ -37688,7 +37457,7 @@
                       <m:sSup>
                         <m:sSupPr>
                           <m:ctrlPr>
-                            <a:rPr lang="nl-NL" sz="2400" b="0" i="0" smtClean="0">
+                            <a:rPr lang="nl-NL" sz="2400" b="0" i="1" smtClean="0">
                               <a:latin typeface="Cambria Math" panose="02040503050406030204" pitchFamily="18" charset="0"/>
                             </a:rPr>
                           </m:ctrlPr>
@@ -37872,7 +37641,7 @@
             </p:txBody>
           </p:sp>
         </mc:Choice>
-        <mc:Fallback>
+        <mc:Fallback xmlns="">
           <p:sp>
             <p:nvSpPr>
               <p:cNvPr id="2" name="Tijdelijke aanduiding voor inhoud 1"/>
@@ -39437,7 +39206,7 @@
                 <a:tabLst/>
                 <a:defRPr/>
               </a:pPr>
-              <a:t>1 juli 2025</a:t>
+              <a:t>7 juli 2025</a:t>
             </a:fld>
             <a:endParaRPr kumimoji="0" lang="nl-NL" sz="1100" b="0" i="0" u="none" strike="noStrike" kern="1200" cap="none" spc="0" normalizeH="0" baseline="0" noProof="0" smtClean="0">
               <a:ln>
@@ -40063,12 +39832,31 @@
                           </m:ctrlPr>
                         </m:dPr>
                         <m:e>
-                          <m:r>
-                            <a:rPr lang="en-US" sz="2400" b="0" i="1" smtClean="0">
-                              <a:latin typeface="Cambria Math" panose="02040503050406030204" pitchFamily="18" charset="0"/>
-                            </a:rPr>
-                            <m:t>𝜇</m:t>
-                          </m:r>
+                          <m:sSub>
+                            <m:sSubPr>
+                              <m:ctrlPr>
+                                <a:rPr lang="nl-NL" sz="2400" b="0" i="1" smtClean="0">
+                                  <a:latin typeface="Cambria Math" panose="02040503050406030204" pitchFamily="18" charset="0"/>
+                                </a:rPr>
+                              </m:ctrlPr>
+                            </m:sSubPr>
+                            <m:e>
+                              <m:r>
+                                <a:rPr lang="en-US" sz="2400" b="0" i="1" smtClean="0">
+                                  <a:latin typeface="Cambria Math" panose="02040503050406030204" pitchFamily="18" charset="0"/>
+                                </a:rPr>
+                                <m:t>𝜇</m:t>
+                              </m:r>
+                            </m:e>
+                            <m:sub>
+                              <m:r>
+                                <a:rPr lang="nl-NL" sz="2400" b="0" i="1" smtClean="0">
+                                  <a:latin typeface="Cambria Math" panose="02040503050406030204" pitchFamily="18" charset="0"/>
+                                </a:rPr>
+                                <m:t>𝑉</m:t>
+                              </m:r>
+                            </m:sub>
+                          </m:sSub>
                           <m:r>
                             <a:rPr lang="en-US" sz="2400" b="0" i="1" smtClean="0">
                               <a:latin typeface="Cambria Math" panose="02040503050406030204" pitchFamily="18" charset="0"/>
@@ -40137,12 +39925,31 @@
                             </a:rPr>
                             <m:t>;</m:t>
                           </m:r>
-                          <m:r>
-                            <a:rPr lang="en-US" sz="2400" b="0" i="1" smtClean="0">
-                              <a:latin typeface="Cambria Math" panose="02040503050406030204" pitchFamily="18" charset="0"/>
-                            </a:rPr>
-                            <m:t>𝜎</m:t>
-                          </m:r>
+                          <m:sSub>
+                            <m:sSubPr>
+                              <m:ctrlPr>
+                                <a:rPr lang="nl-NL" sz="2400" b="0" i="1" smtClean="0">
+                                  <a:latin typeface="Cambria Math" panose="02040503050406030204" pitchFamily="18" charset="0"/>
+                                </a:rPr>
+                              </m:ctrlPr>
+                            </m:sSubPr>
+                            <m:e>
+                              <m:r>
+                                <a:rPr lang="en-US" sz="2400" b="0" i="1" smtClean="0">
+                                  <a:latin typeface="Cambria Math" panose="02040503050406030204" pitchFamily="18" charset="0"/>
+                                </a:rPr>
+                                <m:t>𝜎</m:t>
+                              </m:r>
+                            </m:e>
+                            <m:sub>
+                              <m:r>
+                                <a:rPr lang="nl-NL" sz="2400" b="0" i="1" smtClean="0">
+                                  <a:latin typeface="Cambria Math" panose="02040503050406030204" pitchFamily="18" charset="0"/>
+                                </a:rPr>
+                                <m:t>𝑉</m:t>
+                              </m:r>
+                            </m:sub>
+                          </m:sSub>
                           <m:r>
                             <a:rPr lang="en-US" sz="2400" b="0" i="1" smtClean="0">
                               <a:latin typeface="Cambria Math" panose="02040503050406030204" pitchFamily="18" charset="0"/>
@@ -40599,7 +40406,7 @@
                 <a:tabLst/>
                 <a:defRPr/>
               </a:pPr>
-              <a:t>1 juli 2025</a:t>
+              <a:t>7 juli 2025</a:t>
             </a:fld>
             <a:endParaRPr kumimoji="0" lang="nl-NL" sz="1100" b="0" i="0" u="none" strike="noStrike" kern="1200" cap="none" spc="0" normalizeH="0" baseline="0" noProof="0" smtClean="0">
               <a:ln>
@@ -41496,7 +41303,7 @@
                 <a:tabLst/>
                 <a:defRPr/>
               </a:pPr>
-              <a:t>1 juli 2025</a:t>
+              <a:t>7 juli 2025</a:t>
             </a:fld>
             <a:endParaRPr kumimoji="0" lang="nl-NL" sz="1100" b="0" i="0" u="none" strike="noStrike" kern="1200" cap="none" spc="0" normalizeH="0" baseline="0" noProof="0" smtClean="0">
               <a:ln>
@@ -41576,8 +41383,8 @@
           </a:p>
         </p:txBody>
       </p:sp>
-      <mc:AlternateContent xmlns:mc="http://schemas.openxmlformats.org/markup-compatibility/2006" xmlns:a14="http://schemas.microsoft.com/office/drawing/2010/main">
-        <mc:Choice Requires="a14">
+      <mc:AlternateContent xmlns:mc="http://schemas.openxmlformats.org/markup-compatibility/2006">
+        <mc:Choice xmlns:a14="http://schemas.microsoft.com/office/drawing/2010/main" Requires="a14">
           <p:sp>
             <p:nvSpPr>
               <p:cNvPr id="6147" name="Content Placeholder 2"/>
@@ -41677,6 +41484,10 @@
                     </m:sSub>
                   </m:oMath>
                 </a14:m>
+                <a:r>
+                  <a:rPr lang="en-US" dirty="0" smtClean="0"/>
+                  <a:t>.</a:t>
+                </a:r>
                 <a:endParaRPr lang="en-US" dirty="0" smtClean="0"/>
               </a:p>
               <a:p>
@@ -42075,7 +41886,7 @@
             </p:txBody>
           </p:sp>
         </mc:Choice>
-        <mc:Fallback xmlns="">
+        <mc:Fallback>
           <p:sp>
             <p:nvSpPr>
               <p:cNvPr id="6147" name="Content Placeholder 2"/>
@@ -42103,7 +41914,7 @@
               <a:lstStyle/>
               <a:p>
                 <a:r>
-                  <a:rPr lang="nl-NL">
+                  <a:rPr lang="en-US">
                     <a:noFill/>
                   </a:rPr>
                   <a:t> </a:t>
@@ -42188,7 +41999,7 @@
                 <a:tabLst/>
                 <a:defRPr/>
               </a:pPr>
-              <a:t>1 juli 2025</a:t>
+              <a:t>7 juli 2025</a:t>
             </a:fld>
             <a:endParaRPr kumimoji="0" lang="nl-NL" sz="1100" b="0" i="0" u="none" strike="noStrike" kern="1200" cap="none" spc="0" normalizeH="0" baseline="0" noProof="0" smtClean="0">
               <a:ln>
@@ -42333,8 +42144,8 @@
           </a:p>
         </p:txBody>
       </p:sp>
-      <mc:AlternateContent xmlns:mc="http://schemas.openxmlformats.org/markup-compatibility/2006" xmlns:a14="http://schemas.microsoft.com/office/drawing/2010/main">
-        <mc:Choice Requires="a14">
+      <mc:AlternateContent xmlns:mc="http://schemas.openxmlformats.org/markup-compatibility/2006">
+        <mc:Choice xmlns:a14="http://schemas.microsoft.com/office/drawing/2010/main" Requires="a14">
           <p:sp>
             <p:nvSpPr>
               <p:cNvPr id="6147" name="Content Placeholder 2"/>
@@ -42646,7 +42457,11 @@
                 </a14:m>
                 <a:r>
                   <a:rPr lang="nl-NL" dirty="0"/>
-                  <a:t> mm, </a:t>
+                  <a:t> </a:t>
+                </a:r>
+                <a:r>
+                  <a:rPr lang="nl-NL" dirty="0" smtClean="0"/>
+                  <a:t>min, </a:t>
                 </a:r>
                 <a:r>
                   <a:rPr lang="nl-NL" dirty="0" smtClean="0"/>
@@ -42689,7 +42504,11 @@
                 </a14:m>
                 <a:r>
                   <a:rPr lang="en-US" dirty="0" smtClean="0"/>
-                  <a:t> mm </a:t>
+                  <a:t> </a:t>
+                </a:r>
+                <a:r>
+                  <a:rPr lang="en-US" dirty="0" smtClean="0"/>
+                  <a:t>min </a:t>
                 </a:r>
                 <a:r>
                   <a:rPr lang="en-US" dirty="0" err="1" smtClean="0"/>
@@ -42764,11 +42583,15 @@
                 </a14:m>
                 <a:r>
                   <a:rPr lang="nl-NL" dirty="0" smtClean="0"/>
-                  <a:t> mm</a:t>
+                  <a:t> </a:t>
+                </a:r>
+                <a:r>
+                  <a:rPr lang="nl-NL" dirty="0" smtClean="0"/>
+                  <a:t>min, </a:t>
                 </a:r>
                 <a:r>
                   <a:rPr lang="nl-NL" dirty="0"/>
-                  <a:t>, standaardafwijking </a:t>
+                  <a:t>standaardafwijking </a:t>
                 </a:r>
                 <a14:m>
                   <m:oMath xmlns:m="http://schemas.openxmlformats.org/officeDocument/2006/math">
@@ -42807,7 +42630,15 @@
                 </a14:m>
                 <a:r>
                   <a:rPr lang="nl-NL" dirty="0" smtClean="0"/>
-                  <a:t> mm en steekproefgrootte </a:t>
+                  <a:t> </a:t>
+                </a:r>
+                <a:r>
+                  <a:rPr lang="nl-NL" dirty="0" smtClean="0"/>
+                  <a:t>min </a:t>
+                </a:r>
+                <a:r>
+                  <a:rPr lang="nl-NL" dirty="0" smtClean="0"/>
+                  <a:t>en steekproefgrootte </a:t>
                 </a:r>
                 <a14:m>
                   <m:oMath xmlns:m="http://schemas.openxmlformats.org/officeDocument/2006/math">
@@ -42899,7 +42730,7 @@
             </p:txBody>
           </p:sp>
         </mc:Choice>
-        <mc:Fallback xmlns="">
+        <mc:Fallback>
           <p:sp>
             <p:nvSpPr>
               <p:cNvPr id="6147" name="Content Placeholder 2"/>
@@ -42927,7 +42758,7 @@
               <a:lstStyle/>
               <a:p>
                 <a:r>
-                  <a:rPr lang="nl-NL">
+                  <a:rPr lang="en-US">
                     <a:noFill/>
                   </a:rPr>
                   <a:t> </a:t>
@@ -43012,7 +42843,7 @@
                 <a:tabLst/>
                 <a:defRPr/>
               </a:pPr>
-              <a:t>1 juli 2025</a:t>
+              <a:t>7 juli 2025</a:t>
             </a:fld>
             <a:endParaRPr kumimoji="0" lang="nl-NL" sz="1100" b="0" i="0" u="none" strike="noStrike" kern="1200" cap="none" spc="0" normalizeH="0" baseline="0" noProof="0" smtClean="0">
               <a:ln>
@@ -43735,7 +43566,7 @@
                 <a:tabLst/>
                 <a:defRPr/>
               </a:pPr>
-              <a:t>1 juli 2025</a:t>
+              <a:t>7 juli 2025</a:t>
             </a:fld>
             <a:endParaRPr kumimoji="0" lang="nl-NL" sz="1100" b="0" i="0" u="none" strike="noStrike" kern="1200" cap="none" spc="0" normalizeH="0" baseline="0" noProof="0" smtClean="0">
               <a:ln>

--- a/Danny/Onderwijs/Statistiek/2024-2025/Slides/Nieuwe slides/Statistiek 2024-2025 -- college 11 -- verschiltoetsen.pptx
+++ b/Danny/Onderwijs/Statistiek/2024-2025/Slides/Nieuwe slides/Statistiek 2024-2025 -- college 11 -- verschiltoetsen.pptx
@@ -5148,8 +5148,8 @@
               <a:defRPr/>
             </a:pPr>
             <a:r>
-              <a:rPr lang="nl-NL" dirty="0" smtClean="0"/>
-              <a:t>27 januari 2025</a:t>
+              <a:rPr lang="en-US" smtClean="0"/>
+              <a:t>juli 2025</a:t>
             </a:r>
             <a:endParaRPr lang="nl-NL" dirty="0"/>
           </a:p>
@@ -5285,8 +5285,8 @@
               <a:defRPr/>
             </a:pPr>
             <a:r>
-              <a:rPr lang="nl-NL" smtClean="0"/>
-              <a:t>Mei 2025</a:t>
+              <a:rPr lang="en-US" smtClean="0"/>
+              <a:t>juli 2025</a:t>
             </a:r>
             <a:endParaRPr lang="nl-NL" dirty="0"/>
           </a:p>
@@ -5889,13 +5889,10 @@
             <a:pPr>
               <a:defRPr/>
             </a:pPr>
-            <a:fld id="{EFB72F70-86A0-4C14-B328-A142BCCD4395}" type="datetime4">
-              <a:rPr lang="nl-NL" smtClean="0"/>
-              <a:pPr>
-                <a:defRPr/>
-              </a:pPr>
-              <a:t>7 juli 2025</a:t>
-            </a:fld>
+            <a:r>
+              <a:rPr lang="en-US" smtClean="0"/>
+              <a:t>juli 2025</a:t>
+            </a:r>
             <a:endParaRPr lang="nl-NL" dirty="0"/>
           </a:p>
         </p:txBody>
@@ -6027,10 +6024,10 @@
             <a:pPr>
               <a:defRPr/>
             </a:pPr>
-            <a:fld id="{B65BA442-CF7C-446F-A5C6-9C80A1EA92B1}" type="datetime4">
-              <a:rPr lang="nl-NL" smtClean="0"/>
-              <a:t>7 juli 2025</a:t>
-            </a:fld>
+            <a:r>
+              <a:rPr lang="en-US" smtClean="0"/>
+              <a:t>juli 2025</a:t>
+            </a:r>
             <a:endParaRPr lang="nl-NL" dirty="0"/>
           </a:p>
         </p:txBody>
@@ -6184,10 +6181,10 @@
             <a:pPr>
               <a:defRPr/>
             </a:pPr>
-            <a:fld id="{6ADACE4E-5F74-4A37-951C-E2AD8C0ABF31}" type="datetime4">
-              <a:rPr lang="nl-NL" smtClean="0"/>
-              <a:t>7 juli 2025</a:t>
-            </a:fld>
+            <a:r>
+              <a:rPr lang="en-US" smtClean="0"/>
+              <a:t>juli 2025</a:t>
+            </a:r>
             <a:endParaRPr lang="nl-NL" dirty="0"/>
           </a:p>
         </p:txBody>
@@ -6437,10 +6434,10 @@
             <a:pPr>
               <a:defRPr/>
             </a:pPr>
-            <a:fld id="{8C104096-2ED3-453C-8E78-E00AE5454056}" type="datetime4">
-              <a:rPr lang="nl-NL" smtClean="0"/>
-              <a:t>7 juli 2025</a:t>
-            </a:fld>
+            <a:r>
+              <a:rPr lang="en-US" smtClean="0"/>
+              <a:t>juli 2025</a:t>
+            </a:r>
             <a:endParaRPr lang="nl-NL" dirty="0"/>
           </a:p>
         </p:txBody>
@@ -6834,10 +6831,10 @@
             <a:pPr>
               <a:defRPr/>
             </a:pPr>
-            <a:fld id="{57509A98-FEF1-486E-836B-0182E6ED18CF}" type="datetime4">
-              <a:rPr lang="nl-NL" smtClean="0"/>
-              <a:t>7 juli 2025</a:t>
-            </a:fld>
+            <a:r>
+              <a:rPr lang="en-US" smtClean="0"/>
+              <a:t>juli 2025</a:t>
+            </a:r>
             <a:endParaRPr lang="nl-NL" dirty="0"/>
           </a:p>
         </p:txBody>
@@ -6917,10 +6914,10 @@
             <a:pPr>
               <a:defRPr/>
             </a:pPr>
-            <a:fld id="{A45E3D14-5EDE-4B69-BCF9-7871170F920B}" type="datetime4">
-              <a:rPr lang="nl-NL" smtClean="0"/>
-              <a:t>7 juli 2025</a:t>
-            </a:fld>
+            <a:r>
+              <a:rPr lang="en-US" smtClean="0"/>
+              <a:t>juli 2025</a:t>
+            </a:r>
             <a:endParaRPr lang="nl-NL" dirty="0"/>
           </a:p>
         </p:txBody>
@@ -6977,10 +6974,10 @@
             <a:pPr>
               <a:defRPr/>
             </a:pPr>
-            <a:fld id="{403C7BC3-7CD1-41E9-B4B5-084A2D120935}" type="datetime4">
-              <a:rPr lang="nl-NL" smtClean="0"/>
-              <a:t>7 juli 2025</a:t>
-            </a:fld>
+            <a:r>
+              <a:rPr lang="en-US" smtClean="0"/>
+              <a:t>juli 2025</a:t>
+            </a:r>
             <a:endParaRPr lang="nl-NL" dirty="0"/>
           </a:p>
         </p:txBody>
@@ -7219,10 +7216,10 @@
             <a:pPr>
               <a:defRPr/>
             </a:pPr>
-            <a:fld id="{B9AD4273-E583-4234-8A15-01E636C03DBC}" type="datetime4">
-              <a:rPr lang="nl-NL" smtClean="0"/>
-              <a:t>7 juli 2025</a:t>
-            </a:fld>
+            <a:r>
+              <a:rPr lang="en-US" smtClean="0"/>
+              <a:t>juli 2025</a:t>
+            </a:r>
             <a:endParaRPr lang="nl-NL" dirty="0"/>
           </a:p>
         </p:txBody>
@@ -7388,8 +7385,8 @@
               <a:defRPr/>
             </a:pPr>
             <a:r>
-              <a:rPr lang="nl-NL" smtClean="0"/>
-              <a:t>Mei 2025</a:t>
+              <a:rPr lang="en-US" smtClean="0"/>
+              <a:t>juli 2025</a:t>
             </a:r>
             <a:endParaRPr lang="nl-NL" dirty="0"/>
           </a:p>
@@ -7612,10 +7609,10 @@
             <a:pPr>
               <a:defRPr/>
             </a:pPr>
-            <a:fld id="{6DF2C121-03D7-4443-9B4B-D1ED7325FD6F}" type="datetime4">
-              <a:rPr lang="nl-NL" smtClean="0"/>
-              <a:t>7 juli 2025</a:t>
-            </a:fld>
+            <a:r>
+              <a:rPr lang="en-US" smtClean="0"/>
+              <a:t>juli 2025</a:t>
+            </a:r>
             <a:endParaRPr lang="nl-NL" dirty="0"/>
           </a:p>
         </p:txBody>
@@ -7747,10 +7744,10 @@
             <a:pPr>
               <a:defRPr/>
             </a:pPr>
-            <a:fld id="{83790545-2047-4712-ADC2-09AB81876442}" type="datetime4">
-              <a:rPr lang="nl-NL" smtClean="0"/>
-              <a:t>7 juli 2025</a:t>
-            </a:fld>
+            <a:r>
+              <a:rPr lang="en-US" smtClean="0"/>
+              <a:t>juli 2025</a:t>
+            </a:r>
             <a:endParaRPr lang="nl-NL" dirty="0"/>
           </a:p>
         </p:txBody>
@@ -9641,8 +9638,8 @@
               <a:defRPr/>
             </a:pPr>
             <a:r>
-              <a:rPr lang="nl-NL" smtClean="0"/>
-              <a:t>Mei 2025</a:t>
+              <a:rPr lang="en-US" smtClean="0"/>
+              <a:t>juli 2025</a:t>
             </a:r>
             <a:endParaRPr lang="nl-NL" dirty="0"/>
           </a:p>
@@ -10604,8 +10601,8 @@
               <a:defRPr/>
             </a:pPr>
             <a:r>
-              <a:rPr lang="nl-NL" smtClean="0"/>
-              <a:t>Mei 2025</a:t>
+              <a:rPr lang="en-US" smtClean="0"/>
+              <a:t>juli 2025</a:t>
             </a:r>
             <a:endParaRPr lang="nl-NL" dirty="0"/>
           </a:p>
@@ -10991,8 +10988,8 @@
               <a:defRPr/>
             </a:pPr>
             <a:r>
-              <a:rPr lang="nl-NL" smtClean="0"/>
-              <a:t>Mei 2025</a:t>
+              <a:rPr lang="en-US" smtClean="0"/>
+              <a:t>juli 2025</a:t>
             </a:r>
             <a:endParaRPr lang="nl-NL" dirty="0"/>
           </a:p>
@@ -11069,8 +11066,8 @@
               <a:defRPr/>
             </a:pPr>
             <a:r>
-              <a:rPr lang="nl-NL" smtClean="0"/>
-              <a:t>Mei 2025</a:t>
+              <a:rPr lang="en-US" smtClean="0"/>
+              <a:t>juli 2025</a:t>
             </a:r>
             <a:endParaRPr lang="nl-NL" dirty="0"/>
           </a:p>
@@ -11124,8 +11121,8 @@
               <a:defRPr/>
             </a:pPr>
             <a:r>
-              <a:rPr lang="nl-NL" smtClean="0"/>
-              <a:t>Mei 2025</a:t>
+              <a:rPr lang="en-US" smtClean="0"/>
+              <a:t>juli 2025</a:t>
             </a:r>
             <a:endParaRPr lang="nl-NL" dirty="0"/>
           </a:p>
@@ -11361,8 +11358,8 @@
               <a:defRPr/>
             </a:pPr>
             <a:r>
-              <a:rPr lang="nl-NL" smtClean="0"/>
-              <a:t>Mei 2025</a:t>
+              <a:rPr lang="en-US" smtClean="0"/>
+              <a:t>juli 2025</a:t>
             </a:r>
             <a:endParaRPr lang="nl-NL" dirty="0"/>
           </a:p>
@@ -11579,8 +11576,8 @@
               <a:defRPr/>
             </a:pPr>
             <a:r>
-              <a:rPr lang="nl-NL" smtClean="0"/>
-              <a:t>Mei 2025</a:t>
+              <a:rPr lang="en-US" smtClean="0"/>
+              <a:t>juli 2025</a:t>
             </a:r>
             <a:endParaRPr lang="nl-NL" dirty="0"/>
           </a:p>
@@ -12014,8 +12011,8 @@
               <a:defRPr/>
             </a:pPr>
             <a:r>
-              <a:rPr lang="nl-NL" smtClean="0"/>
-              <a:t>Mei 2025</a:t>
+              <a:rPr lang="en-US" smtClean="0"/>
+              <a:t>juli 2025</a:t>
             </a:r>
             <a:endParaRPr lang="nl-NL" dirty="0"/>
           </a:p>
@@ -12037,7 +12034,7 @@
     <p:sldLayoutId id="2147483683" r:id="rId10"/>
     <p:sldLayoutId id="2147483685" r:id="rId11"/>
   </p:sldLayoutIdLst>
-  <p:hf sldNum="0" hdr="0"/>
+  <p:hf sldNum="0" hdr="0" ftr="0"/>
   <p:txStyles>
     <p:titleStyle>
       <a:lvl1pPr algn="l" rtl="0" eaLnBrk="1" fontAlgn="base" hangingPunct="1">
@@ -12825,10 +12822,10 @@
             <a:pPr>
               <a:defRPr/>
             </a:pPr>
-            <a:fld id="{C578AD08-3C54-48F2-9382-C141D1496CCF}" type="datetime4">
-              <a:rPr lang="nl-NL" smtClean="0"/>
-              <a:t>7 juli 2025</a:t>
-            </a:fld>
+            <a:r>
+              <a:rPr lang="en-US" smtClean="0"/>
+              <a:t>juli 2025</a:t>
+            </a:r>
             <a:endParaRPr lang="nl-NL" dirty="0"/>
           </a:p>
         </p:txBody>
@@ -12854,7 +12851,7 @@
     <p:sldLayoutId id="2147483696" r:id="rId10"/>
     <p:sldLayoutId id="2147483697" r:id="rId11"/>
   </p:sldLayoutIdLst>
-  <p:hf hdr="0" ftr="0"/>
+  <p:hf sldNum="0" hdr="0" ftr="0"/>
   <p:txStyles>
     <p:titleStyle>
       <a:lvl1pPr algn="l" rtl="0" eaLnBrk="1" fontAlgn="base" hangingPunct="1">
@@ -14156,8 +14153,8 @@
               <a:defRPr/>
             </a:pPr>
             <a:r>
-              <a:rPr lang="nl-NL" smtClean="0"/>
-              <a:t>Mei 2025</a:t>
+              <a:rPr lang="en-US" smtClean="0"/>
+              <a:t>juli 2025</a:t>
             </a:r>
             <a:endParaRPr lang="nl-NL" dirty="0"/>
           </a:p>
@@ -14912,8 +14909,8 @@
               <a:tabLst/>
               <a:defRPr/>
             </a:pPr>
-            <a:fld id="{7954EBD1-29D6-4680-A43E-6930799C0313}" type="datetime4">
-              <a:rPr kumimoji="0" lang="nl-NL" sz="1100" b="0" i="0" u="none" strike="noStrike" kern="1200" cap="none" spc="0" normalizeH="0" baseline="0" noProof="0" smtClean="0">
+            <a:r>
+              <a:rPr kumimoji="0" lang="en-US" sz="1100" b="0" i="0" u="none" strike="noStrike" kern="1200" cap="none" spc="0" normalizeH="0" baseline="0" noProof="0" smtClean="0">
                 <a:ln>
                   <a:noFill/>
                 </a:ln>
@@ -14927,25 +14924,8 @@
                 <a:ea typeface="+mn-ea"/>
                 <a:cs typeface="+mn-cs"/>
               </a:rPr>
-              <a:pPr marL="0" marR="0" lvl="0" indent="0" algn="l" defTabSz="914400" rtl="0" eaLnBrk="0" fontAlgn="base" latinLnBrk="0" hangingPunct="0">
-                <a:lnSpc>
-                  <a:spcPct val="100000"/>
-                </a:lnSpc>
-                <a:spcBef>
-                  <a:spcPct val="50000"/>
-                </a:spcBef>
-                <a:spcAft>
-                  <a:spcPct val="0"/>
-                </a:spcAft>
-                <a:buClrTx/>
-                <a:buSzTx/>
-                <a:buFontTx/>
-                <a:buNone/>
-                <a:tabLst/>
-                <a:defRPr/>
-              </a:pPr>
-              <a:t>7 juli 2025</a:t>
-            </a:fld>
+              <a:t>juli 2025</a:t>
+            </a:r>
             <a:endParaRPr kumimoji="0" lang="nl-NL" sz="1100" b="0" i="0" u="none" strike="noStrike" kern="1200" cap="none" spc="0" normalizeH="0" baseline="0" noProof="0" smtClean="0">
               <a:ln>
                 <a:noFill/>
@@ -15288,8 +15268,8 @@
               <a:tabLst/>
               <a:defRPr/>
             </a:pPr>
-            <a:fld id="{7954EBD1-29D6-4680-A43E-6930799C0313}" type="datetime4">
-              <a:rPr kumimoji="0" lang="nl-NL" sz="1100" b="0" i="0" u="none" strike="noStrike" kern="1200" cap="none" spc="0" normalizeH="0" baseline="0" noProof="0" smtClean="0">
+            <a:r>
+              <a:rPr kumimoji="0" lang="en-US" sz="1100" b="0" i="0" u="none" strike="noStrike" kern="1200" cap="none" spc="0" normalizeH="0" baseline="0" noProof="0" smtClean="0">
                 <a:ln>
                   <a:noFill/>
                 </a:ln>
@@ -15303,25 +15283,8 @@
                 <a:ea typeface="+mn-ea"/>
                 <a:cs typeface="+mn-cs"/>
               </a:rPr>
-              <a:pPr marL="0" marR="0" lvl="0" indent="0" algn="l" defTabSz="914400" rtl="0" eaLnBrk="0" fontAlgn="base" latinLnBrk="0" hangingPunct="0">
-                <a:lnSpc>
-                  <a:spcPct val="100000"/>
-                </a:lnSpc>
-                <a:spcBef>
-                  <a:spcPct val="50000"/>
-                </a:spcBef>
-                <a:spcAft>
-                  <a:spcPct val="0"/>
-                </a:spcAft>
-                <a:buClrTx/>
-                <a:buSzTx/>
-                <a:buFontTx/>
-                <a:buNone/>
-                <a:tabLst/>
-                <a:defRPr/>
-              </a:pPr>
-              <a:t>7 juli 2025</a:t>
-            </a:fld>
+              <a:t>juli 2025</a:t>
+            </a:r>
             <a:endParaRPr kumimoji="0" lang="nl-NL" sz="1100" b="0" i="0" u="none" strike="noStrike" kern="1200" cap="none" spc="0" normalizeH="0" baseline="0" noProof="0" smtClean="0">
               <a:ln>
                 <a:noFill/>
@@ -16818,8 +16781,8 @@
               <a:tabLst/>
               <a:defRPr/>
             </a:pPr>
-            <a:fld id="{7954EBD1-29D6-4680-A43E-6930799C0313}" type="datetime4">
-              <a:rPr kumimoji="0" lang="nl-NL" sz="1100" b="0" i="0" u="none" strike="noStrike" kern="1200" cap="none" spc="0" normalizeH="0" baseline="0" noProof="0" smtClean="0">
+            <a:r>
+              <a:rPr kumimoji="0" lang="en-US" sz="1100" b="0" i="0" u="none" strike="noStrike" kern="1200" cap="none" spc="0" normalizeH="0" baseline="0" noProof="0" smtClean="0">
                 <a:ln>
                   <a:noFill/>
                 </a:ln>
@@ -16833,25 +16796,8 @@
                 <a:ea typeface="+mn-ea"/>
                 <a:cs typeface="+mn-cs"/>
               </a:rPr>
-              <a:pPr marL="0" marR="0" lvl="0" indent="0" algn="l" defTabSz="914400" rtl="0" eaLnBrk="0" fontAlgn="base" latinLnBrk="0" hangingPunct="0">
-                <a:lnSpc>
-                  <a:spcPct val="100000"/>
-                </a:lnSpc>
-                <a:spcBef>
-                  <a:spcPct val="50000"/>
-                </a:spcBef>
-                <a:spcAft>
-                  <a:spcPct val="0"/>
-                </a:spcAft>
-                <a:buClrTx/>
-                <a:buSzTx/>
-                <a:buFontTx/>
-                <a:buNone/>
-                <a:tabLst/>
-                <a:defRPr/>
-              </a:pPr>
-              <a:t>7 juli 2025</a:t>
-            </a:fld>
+              <a:t>juli 2025</a:t>
+            </a:r>
             <a:endParaRPr kumimoji="0" lang="nl-NL" sz="1100" b="0" i="0" u="none" strike="noStrike" kern="1200" cap="none" spc="0" normalizeH="0" baseline="0" noProof="0" smtClean="0">
               <a:ln>
                 <a:noFill/>
@@ -18347,8 +18293,8 @@
               <a:tabLst/>
               <a:defRPr/>
             </a:pPr>
-            <a:fld id="{7954EBD1-29D6-4680-A43E-6930799C0313}" type="datetime4">
-              <a:rPr kumimoji="0" lang="nl-NL" sz="1100" b="0" i="0" u="none" strike="noStrike" kern="1200" cap="none" spc="0" normalizeH="0" baseline="0" noProof="0" smtClean="0">
+            <a:r>
+              <a:rPr kumimoji="0" lang="en-US" sz="1100" b="0" i="0" u="none" strike="noStrike" kern="1200" cap="none" spc="0" normalizeH="0" baseline="0" noProof="0" smtClean="0">
                 <a:ln>
                   <a:noFill/>
                 </a:ln>
@@ -18362,25 +18308,8 @@
                 <a:ea typeface="+mn-ea"/>
                 <a:cs typeface="+mn-cs"/>
               </a:rPr>
-              <a:pPr marL="0" marR="0" lvl="0" indent="0" algn="l" defTabSz="914400" rtl="0" eaLnBrk="0" fontAlgn="base" latinLnBrk="0" hangingPunct="0">
-                <a:lnSpc>
-                  <a:spcPct val="100000"/>
-                </a:lnSpc>
-                <a:spcBef>
-                  <a:spcPct val="50000"/>
-                </a:spcBef>
-                <a:spcAft>
-                  <a:spcPct val="0"/>
-                </a:spcAft>
-                <a:buClrTx/>
-                <a:buSzTx/>
-                <a:buFontTx/>
-                <a:buNone/>
-                <a:tabLst/>
-                <a:defRPr/>
-              </a:pPr>
-              <a:t>7 juli 2025</a:t>
-            </a:fld>
+              <a:t>juli 2025</a:t>
+            </a:r>
             <a:endParaRPr kumimoji="0" lang="nl-NL" sz="1100" b="0" i="0" u="none" strike="noStrike" kern="1200" cap="none" spc="0" normalizeH="0" baseline="0" noProof="0" smtClean="0">
               <a:ln>
                 <a:noFill/>
@@ -19823,8 +19752,8 @@
               <a:tabLst/>
               <a:defRPr/>
             </a:pPr>
-            <a:fld id="{7954EBD1-29D6-4680-A43E-6930799C0313}" type="datetime4">
-              <a:rPr kumimoji="0" lang="nl-NL" sz="1100" b="0" i="0" u="none" strike="noStrike" kern="1200" cap="none" spc="0" normalizeH="0" baseline="0" noProof="0" smtClean="0">
+            <a:r>
+              <a:rPr kumimoji="0" lang="en-US" sz="1100" b="0" i="0" u="none" strike="noStrike" kern="1200" cap="none" spc="0" normalizeH="0" baseline="0" noProof="0" smtClean="0">
                 <a:ln>
                   <a:noFill/>
                 </a:ln>
@@ -19838,25 +19767,8 @@
                 <a:ea typeface="+mn-ea"/>
                 <a:cs typeface="+mn-cs"/>
               </a:rPr>
-              <a:pPr marL="0" marR="0" lvl="0" indent="0" algn="l" defTabSz="914400" rtl="0" eaLnBrk="0" fontAlgn="base" latinLnBrk="0" hangingPunct="0">
-                <a:lnSpc>
-                  <a:spcPct val="100000"/>
-                </a:lnSpc>
-                <a:spcBef>
-                  <a:spcPct val="50000"/>
-                </a:spcBef>
-                <a:spcAft>
-                  <a:spcPct val="0"/>
-                </a:spcAft>
-                <a:buClrTx/>
-                <a:buSzTx/>
-                <a:buFontTx/>
-                <a:buNone/>
-                <a:tabLst/>
-                <a:defRPr/>
-              </a:pPr>
-              <a:t>7 juli 2025</a:t>
-            </a:fld>
+              <a:t>juli 2025</a:t>
+            </a:r>
             <a:endParaRPr kumimoji="0" lang="nl-NL" sz="1100" b="0" i="0" u="none" strike="noStrike" kern="1200" cap="none" spc="0" normalizeH="0" baseline="0" noProof="0" smtClean="0">
               <a:ln>
                 <a:noFill/>
@@ -20766,8 +20678,8 @@
               <a:tabLst/>
               <a:defRPr/>
             </a:pPr>
-            <a:fld id="{7954EBD1-29D6-4680-A43E-6930799C0313}" type="datetime4">
-              <a:rPr kumimoji="0" lang="nl-NL" sz="1100" b="0" i="0" u="none" strike="noStrike" kern="1200" cap="none" spc="0" normalizeH="0" baseline="0" noProof="0" smtClean="0">
+            <a:r>
+              <a:rPr kumimoji="0" lang="en-US" sz="1100" b="0" i="0" u="none" strike="noStrike" kern="1200" cap="none" spc="0" normalizeH="0" baseline="0" noProof="0" smtClean="0">
                 <a:ln>
                   <a:noFill/>
                 </a:ln>
@@ -20781,25 +20693,8 @@
                 <a:ea typeface="+mn-ea"/>
                 <a:cs typeface="+mn-cs"/>
               </a:rPr>
-              <a:pPr marL="0" marR="0" lvl="0" indent="0" algn="l" defTabSz="914400" rtl="0" eaLnBrk="0" fontAlgn="base" latinLnBrk="0" hangingPunct="0">
-                <a:lnSpc>
-                  <a:spcPct val="100000"/>
-                </a:lnSpc>
-                <a:spcBef>
-                  <a:spcPct val="50000"/>
-                </a:spcBef>
-                <a:spcAft>
-                  <a:spcPct val="0"/>
-                </a:spcAft>
-                <a:buClrTx/>
-                <a:buSzTx/>
-                <a:buFontTx/>
-                <a:buNone/>
-                <a:tabLst/>
-                <a:defRPr/>
-              </a:pPr>
-              <a:t>7 juli 2025</a:t>
-            </a:fld>
+              <a:t>juli 2025</a:t>
+            </a:r>
             <a:endParaRPr kumimoji="0" lang="nl-NL" sz="1100" b="0" i="0" u="none" strike="noStrike" kern="1200" cap="none" spc="0" normalizeH="0" baseline="0" noProof="0" smtClean="0">
               <a:ln>
                 <a:noFill/>
@@ -20946,8 +20841,8 @@
           </a:p>
         </p:txBody>
       </p:sp>
-      <mc:AlternateContent xmlns:mc="http://schemas.openxmlformats.org/markup-compatibility/2006">
-        <mc:Choice xmlns:a14="http://schemas.microsoft.com/office/drawing/2010/main" Requires="a14">
+      <mc:AlternateContent xmlns:mc="http://schemas.openxmlformats.org/markup-compatibility/2006" xmlns:a14="http://schemas.microsoft.com/office/drawing/2010/main">
+        <mc:Choice Requires="a14">
           <p:sp>
             <p:nvSpPr>
               <p:cNvPr id="6147" name="Content Placeholder 2"/>
@@ -21578,7 +21473,7 @@
             </p:txBody>
           </p:sp>
         </mc:Choice>
-        <mc:Fallback>
+        <mc:Fallback xmlns="">
           <p:sp>
             <p:nvSpPr>
               <p:cNvPr id="6147" name="Content Placeholder 2"/>
@@ -21659,8 +21554,8 @@
               <a:tabLst/>
               <a:defRPr/>
             </a:pPr>
-            <a:fld id="{7954EBD1-29D6-4680-A43E-6930799C0313}" type="datetime4">
-              <a:rPr kumimoji="0" lang="nl-NL" sz="1100" b="0" i="0" u="none" strike="noStrike" kern="1200" cap="none" spc="0" normalizeH="0" baseline="0" noProof="0" smtClean="0">
+            <a:r>
+              <a:rPr kumimoji="0" lang="en-US" sz="1100" b="0" i="0" u="none" strike="noStrike" kern="1200" cap="none" spc="0" normalizeH="0" baseline="0" noProof="0" smtClean="0">
                 <a:ln>
                   <a:noFill/>
                 </a:ln>
@@ -21674,25 +21569,8 @@
                 <a:ea typeface="+mn-ea"/>
                 <a:cs typeface="+mn-cs"/>
               </a:rPr>
-              <a:pPr marL="0" marR="0" lvl="0" indent="0" algn="l" defTabSz="914400" rtl="0" eaLnBrk="0" fontAlgn="base" latinLnBrk="0" hangingPunct="0">
-                <a:lnSpc>
-                  <a:spcPct val="100000"/>
-                </a:lnSpc>
-                <a:spcBef>
-                  <a:spcPct val="50000"/>
-                </a:spcBef>
-                <a:spcAft>
-                  <a:spcPct val="0"/>
-                </a:spcAft>
-                <a:buClrTx/>
-                <a:buSzTx/>
-                <a:buFontTx/>
-                <a:buNone/>
-                <a:tabLst/>
-                <a:defRPr/>
-              </a:pPr>
-              <a:t>7 juli 2025</a:t>
-            </a:fld>
+              <a:t>juli 2025</a:t>
+            </a:r>
             <a:endParaRPr kumimoji="0" lang="nl-NL" sz="1100" b="0" i="0" u="none" strike="noStrike" kern="1200" cap="none" spc="0" normalizeH="0" baseline="0" noProof="0" smtClean="0">
               <a:ln>
                 <a:noFill/>
@@ -22558,8 +22436,8 @@
               <a:tabLst/>
               <a:defRPr/>
             </a:pPr>
-            <a:fld id="{7954EBD1-29D6-4680-A43E-6930799C0313}" type="datetime4">
-              <a:rPr kumimoji="0" lang="nl-NL" sz="1100" b="0" i="0" u="none" strike="noStrike" kern="1200" cap="none" spc="0" normalizeH="0" baseline="0" noProof="0" smtClean="0">
+            <a:r>
+              <a:rPr kumimoji="0" lang="en-US" sz="1100" b="0" i="0" u="none" strike="noStrike" kern="1200" cap="none" spc="0" normalizeH="0" baseline="0" noProof="0" smtClean="0">
                 <a:ln>
                   <a:noFill/>
                 </a:ln>
@@ -22573,25 +22451,8 @@
                 <a:ea typeface="+mn-ea"/>
                 <a:cs typeface="+mn-cs"/>
               </a:rPr>
-              <a:pPr marL="0" marR="0" lvl="0" indent="0" algn="l" defTabSz="914400" rtl="0" eaLnBrk="0" fontAlgn="base" latinLnBrk="0" hangingPunct="0">
-                <a:lnSpc>
-                  <a:spcPct val="100000"/>
-                </a:lnSpc>
-                <a:spcBef>
-                  <a:spcPct val="50000"/>
-                </a:spcBef>
-                <a:spcAft>
-                  <a:spcPct val="0"/>
-                </a:spcAft>
-                <a:buClrTx/>
-                <a:buSzTx/>
-                <a:buFontTx/>
-                <a:buNone/>
-                <a:tabLst/>
-                <a:defRPr/>
-              </a:pPr>
-              <a:t>7 juli 2025</a:t>
-            </a:fld>
+              <a:t>juli 2025</a:t>
+            </a:r>
             <a:endParaRPr kumimoji="0" lang="nl-NL" sz="1100" b="0" i="0" u="none" strike="noStrike" kern="1200" cap="none" spc="0" normalizeH="0" baseline="0" noProof="0" smtClean="0">
               <a:ln>
                 <a:noFill/>
@@ -23342,8 +23203,8 @@
               <a:tabLst/>
               <a:defRPr/>
             </a:pPr>
-            <a:fld id="{7954EBD1-29D6-4680-A43E-6930799C0313}" type="datetime4">
-              <a:rPr kumimoji="0" lang="nl-NL" sz="1100" b="0" i="0" u="none" strike="noStrike" kern="1200" cap="none" spc="0" normalizeH="0" baseline="0" noProof="0" smtClean="0">
+            <a:r>
+              <a:rPr kumimoji="0" lang="en-US" sz="1100" b="0" i="0" u="none" strike="noStrike" kern="1200" cap="none" spc="0" normalizeH="0" baseline="0" noProof="0" smtClean="0">
                 <a:ln>
                   <a:noFill/>
                 </a:ln>
@@ -23357,25 +23218,8 @@
                 <a:ea typeface="+mn-ea"/>
                 <a:cs typeface="+mn-cs"/>
               </a:rPr>
-              <a:pPr marL="0" marR="0" lvl="0" indent="0" algn="l" defTabSz="914400" rtl="0" eaLnBrk="0" fontAlgn="base" latinLnBrk="0" hangingPunct="0">
-                <a:lnSpc>
-                  <a:spcPct val="100000"/>
-                </a:lnSpc>
-                <a:spcBef>
-                  <a:spcPct val="50000"/>
-                </a:spcBef>
-                <a:spcAft>
-                  <a:spcPct val="0"/>
-                </a:spcAft>
-                <a:buClrTx/>
-                <a:buSzTx/>
-                <a:buFontTx/>
-                <a:buNone/>
-                <a:tabLst/>
-                <a:defRPr/>
-              </a:pPr>
-              <a:t>7 juli 2025</a:t>
-            </a:fld>
+              <a:t>juli 2025</a:t>
+            </a:r>
             <a:endParaRPr kumimoji="0" lang="nl-NL" sz="1100" b="0" i="0" u="none" strike="noStrike" kern="1200" cap="none" spc="0" normalizeH="0" baseline="0" noProof="0" smtClean="0">
               <a:ln>
                 <a:noFill/>
@@ -24548,8 +24392,8 @@
               <a:tabLst/>
               <a:defRPr/>
             </a:pPr>
-            <a:fld id="{7954EBD1-29D6-4680-A43E-6930799C0313}" type="datetime4">
-              <a:rPr kumimoji="0" lang="nl-NL" sz="1100" b="0" i="0" u="none" strike="noStrike" kern="1200" cap="none" spc="0" normalizeH="0" baseline="0" noProof="0" smtClean="0">
+            <a:r>
+              <a:rPr kumimoji="0" lang="en-US" sz="1100" b="0" i="0" u="none" strike="noStrike" kern="1200" cap="none" spc="0" normalizeH="0" baseline="0" noProof="0" smtClean="0">
                 <a:ln>
                   <a:noFill/>
                 </a:ln>
@@ -24563,25 +24407,8 @@
                 <a:ea typeface="+mn-ea"/>
                 <a:cs typeface="+mn-cs"/>
               </a:rPr>
-              <a:pPr marL="0" marR="0" lvl="0" indent="0" algn="l" defTabSz="914400" rtl="0" eaLnBrk="0" fontAlgn="base" latinLnBrk="0" hangingPunct="0">
-                <a:lnSpc>
-                  <a:spcPct val="100000"/>
-                </a:lnSpc>
-                <a:spcBef>
-                  <a:spcPct val="50000"/>
-                </a:spcBef>
-                <a:spcAft>
-                  <a:spcPct val="0"/>
-                </a:spcAft>
-                <a:buClrTx/>
-                <a:buSzTx/>
-                <a:buFontTx/>
-                <a:buNone/>
-                <a:tabLst/>
-                <a:defRPr/>
-              </a:pPr>
-              <a:t>7 juli 2025</a:t>
-            </a:fld>
+              <a:t>juli 2025</a:t>
+            </a:r>
             <a:endParaRPr kumimoji="0" lang="nl-NL" sz="1100" b="0" i="0" u="none" strike="noStrike" kern="1200" cap="none" spc="0" normalizeH="0" baseline="0" noProof="0" smtClean="0">
               <a:ln>
                 <a:noFill/>
@@ -24929,8 +24756,12 @@
               <a:defRPr/>
             </a:pPr>
             <a:r>
-              <a:rPr lang="nl-NL" smtClean="0"/>
-              <a:t>Mei 2025</a:t>
+              <a:rPr lang="en-US" dirty="0" err="1" smtClean="0"/>
+              <a:t>juli</a:t>
+            </a:r>
+            <a:r>
+              <a:rPr lang="en-US" dirty="0" smtClean="0"/>
+              <a:t> 2025</a:t>
             </a:r>
             <a:endParaRPr lang="nl-NL" dirty="0"/>
           </a:p>
@@ -25089,8 +24920,8 @@
               <a:tabLst/>
               <a:defRPr/>
             </a:pPr>
-            <a:fld id="{7954EBD1-29D6-4680-A43E-6930799C0313}" type="datetime4">
-              <a:rPr kumimoji="0" lang="nl-NL" sz="1100" b="0" i="0" u="none" strike="noStrike" kern="1200" cap="none" spc="0" normalizeH="0" baseline="0" noProof="0" smtClean="0">
+            <a:r>
+              <a:rPr kumimoji="0" lang="en-US" sz="1100" b="0" i="0" u="none" strike="noStrike" kern="1200" cap="none" spc="0" normalizeH="0" baseline="0" noProof="0" smtClean="0">
                 <a:ln>
                   <a:noFill/>
                 </a:ln>
@@ -25104,25 +24935,8 @@
                 <a:ea typeface="+mn-ea"/>
                 <a:cs typeface="+mn-cs"/>
               </a:rPr>
-              <a:pPr marL="0" marR="0" lvl="0" indent="0" algn="l" defTabSz="914400" rtl="0" eaLnBrk="0" fontAlgn="base" latinLnBrk="0" hangingPunct="0">
-                <a:lnSpc>
-                  <a:spcPct val="100000"/>
-                </a:lnSpc>
-                <a:spcBef>
-                  <a:spcPct val="50000"/>
-                </a:spcBef>
-                <a:spcAft>
-                  <a:spcPct val="0"/>
-                </a:spcAft>
-                <a:buClrTx/>
-                <a:buSzTx/>
-                <a:buFontTx/>
-                <a:buNone/>
-                <a:tabLst/>
-                <a:defRPr/>
-              </a:pPr>
-              <a:t>7 juli 2025</a:t>
-            </a:fld>
+              <a:t>juli 2025</a:t>
+            </a:r>
             <a:endParaRPr kumimoji="0" lang="nl-NL" sz="1100" b="0" i="0" u="none" strike="noStrike" kern="1200" cap="none" spc="0" normalizeH="0" baseline="0" noProof="0" smtClean="0">
               <a:ln>
                 <a:noFill/>
@@ -25955,8 +25769,8 @@
               <a:tabLst/>
               <a:defRPr/>
             </a:pPr>
-            <a:fld id="{7954EBD1-29D6-4680-A43E-6930799C0313}" type="datetime4">
-              <a:rPr kumimoji="0" lang="nl-NL" sz="1100" b="0" i="0" u="none" strike="noStrike" kern="1200" cap="none" spc="0" normalizeH="0" baseline="0" noProof="0" smtClean="0">
+            <a:r>
+              <a:rPr kumimoji="0" lang="en-US" sz="1100" b="0" i="0" u="none" strike="noStrike" kern="1200" cap="none" spc="0" normalizeH="0" baseline="0" noProof="0" smtClean="0">
                 <a:ln>
                   <a:noFill/>
                 </a:ln>
@@ -25970,25 +25784,8 @@
                 <a:ea typeface="+mn-ea"/>
                 <a:cs typeface="+mn-cs"/>
               </a:rPr>
-              <a:pPr marL="0" marR="0" lvl="0" indent="0" algn="l" defTabSz="914400" rtl="0" eaLnBrk="0" fontAlgn="base" latinLnBrk="0" hangingPunct="0">
-                <a:lnSpc>
-                  <a:spcPct val="100000"/>
-                </a:lnSpc>
-                <a:spcBef>
-                  <a:spcPct val="50000"/>
-                </a:spcBef>
-                <a:spcAft>
-                  <a:spcPct val="0"/>
-                </a:spcAft>
-                <a:buClrTx/>
-                <a:buSzTx/>
-                <a:buFontTx/>
-                <a:buNone/>
-                <a:tabLst/>
-                <a:defRPr/>
-              </a:pPr>
-              <a:t>7 juli 2025</a:t>
-            </a:fld>
+              <a:t>juli 2025</a:t>
+            </a:r>
             <a:endParaRPr kumimoji="0" lang="nl-NL" sz="1100" b="0" i="0" u="none" strike="noStrike" kern="1200" cap="none" spc="0" normalizeH="0" baseline="0" noProof="0" smtClean="0">
               <a:ln>
                 <a:noFill/>
@@ -26383,8 +26180,8 @@
           </a:fontRef>
         </p:style>
       </p:cxnSp>
-      <mc:AlternateContent xmlns:mc="http://schemas.openxmlformats.org/markup-compatibility/2006">
-        <mc:Choice xmlns:a14="http://schemas.microsoft.com/office/drawing/2010/main" Requires="a14">
+      <mc:AlternateContent xmlns:mc="http://schemas.openxmlformats.org/markup-compatibility/2006" xmlns:a14="http://schemas.microsoft.com/office/drawing/2010/main">
+        <mc:Choice Requires="a14">
           <p:sp>
             <p:nvSpPr>
               <p:cNvPr id="15" name="Rechthoek 14"/>
@@ -27027,7 +26824,7 @@
             </p:txBody>
           </p:sp>
         </mc:Choice>
-        <mc:Fallback>
+        <mc:Fallback xmlns="">
           <p:sp>
             <p:nvSpPr>
               <p:cNvPr id="15" name="Rechthoek 14"/>
@@ -27105,8 +26902,8 @@
           </a:fontRef>
         </p:style>
       </p:cxnSp>
-      <mc:AlternateContent xmlns:mc="http://schemas.openxmlformats.org/markup-compatibility/2006">
-        <mc:Choice xmlns:a14="http://schemas.microsoft.com/office/drawing/2010/main" Requires="a14">
+      <mc:AlternateContent xmlns:mc="http://schemas.openxmlformats.org/markup-compatibility/2006" xmlns:a14="http://schemas.microsoft.com/office/drawing/2010/main">
+        <mc:Choice Requires="a14">
           <p:sp>
             <p:nvSpPr>
               <p:cNvPr id="18" name="Rechthoek 17"/>
@@ -27686,7 +27483,7 @@
             </p:txBody>
           </p:sp>
         </mc:Choice>
-        <mc:Fallback>
+        <mc:Fallback xmlns="">
           <p:sp>
             <p:nvSpPr>
               <p:cNvPr id="18" name="Rechthoek 17"/>
@@ -27727,8 +27524,8 @@
           </p:sp>
         </mc:Fallback>
       </mc:AlternateContent>
-      <mc:AlternateContent xmlns:mc="http://schemas.openxmlformats.org/markup-compatibility/2006">
-        <mc:Choice xmlns:a14="http://schemas.microsoft.com/office/drawing/2010/main" Requires="a14">
+      <mc:AlternateContent xmlns:mc="http://schemas.openxmlformats.org/markup-compatibility/2006" xmlns:a14="http://schemas.microsoft.com/office/drawing/2010/main">
+        <mc:Choice Requires="a14">
           <p:sp>
             <p:nvSpPr>
               <p:cNvPr id="37" name="Rechthoek 36"/>
@@ -28506,7 +28303,7 @@
             </p:txBody>
           </p:sp>
         </mc:Choice>
-        <mc:Fallback>
+        <mc:Fallback xmlns="">
           <p:sp>
             <p:nvSpPr>
               <p:cNvPr id="37" name="Rechthoek 36"/>
@@ -28620,8 +28417,8 @@
           </a:fontRef>
         </p:style>
       </p:cxnSp>
-      <mc:AlternateContent xmlns:mc="http://schemas.openxmlformats.org/markup-compatibility/2006">
-        <mc:Choice xmlns:a14="http://schemas.microsoft.com/office/drawing/2010/main" Requires="a14">
+      <mc:AlternateContent xmlns:mc="http://schemas.openxmlformats.org/markup-compatibility/2006" xmlns:a14="http://schemas.microsoft.com/office/drawing/2010/main">
+        <mc:Choice Requires="a14">
           <p:sp>
             <p:nvSpPr>
               <p:cNvPr id="50" name="Rechthoek 49"/>
@@ -29420,7 +29217,7 @@
             </p:txBody>
           </p:sp>
         </mc:Choice>
-        <mc:Fallback>
+        <mc:Fallback xmlns="">
           <p:sp>
             <p:nvSpPr>
               <p:cNvPr id="50" name="Rechthoek 49"/>
@@ -29708,8 +29505,8 @@
               <a:tabLst/>
               <a:defRPr/>
             </a:pPr>
-            <a:fld id="{7954EBD1-29D6-4680-A43E-6930799C0313}" type="datetime4">
-              <a:rPr kumimoji="0" lang="nl-NL" sz="1100" b="0" i="0" u="none" strike="noStrike" kern="1200" cap="none" spc="0" normalizeH="0" baseline="0" noProof="0" smtClean="0">
+            <a:r>
+              <a:rPr kumimoji="0" lang="en-US" sz="1100" b="0" i="0" u="none" strike="noStrike" kern="1200" cap="none" spc="0" normalizeH="0" baseline="0" noProof="0" smtClean="0">
                 <a:ln>
                   <a:noFill/>
                 </a:ln>
@@ -29723,25 +29520,8 @@
                 <a:ea typeface="+mn-ea"/>
                 <a:cs typeface="+mn-cs"/>
               </a:rPr>
-              <a:pPr marL="0" marR="0" lvl="0" indent="0" algn="l" defTabSz="914400" rtl="0" eaLnBrk="0" fontAlgn="base" latinLnBrk="0" hangingPunct="0">
-                <a:lnSpc>
-                  <a:spcPct val="100000"/>
-                </a:lnSpc>
-                <a:spcBef>
-                  <a:spcPct val="50000"/>
-                </a:spcBef>
-                <a:spcAft>
-                  <a:spcPct val="0"/>
-                </a:spcAft>
-                <a:buClrTx/>
-                <a:buSzTx/>
-                <a:buFontTx/>
-                <a:buNone/>
-                <a:tabLst/>
-                <a:defRPr/>
-              </a:pPr>
-              <a:t>7 juli 2025</a:t>
-            </a:fld>
+              <a:t>juli 2025</a:t>
+            </a:r>
             <a:endParaRPr kumimoji="0" lang="nl-NL" sz="1100" b="0" i="0" u="none" strike="noStrike" kern="1200" cap="none" spc="0" normalizeH="0" baseline="0" noProof="0" smtClean="0">
               <a:ln>
                 <a:noFill/>
@@ -30029,8 +29809,8 @@
               <a:tabLst/>
               <a:defRPr/>
             </a:pPr>
-            <a:fld id="{7954EBD1-29D6-4680-A43E-6930799C0313}" type="datetime4">
-              <a:rPr kumimoji="0" lang="nl-NL" sz="1100" b="0" i="0" u="none" strike="noStrike" kern="1200" cap="none" spc="0" normalizeH="0" baseline="0" noProof="0" smtClean="0">
+            <a:r>
+              <a:rPr kumimoji="0" lang="en-US" sz="1100" b="0" i="0" u="none" strike="noStrike" kern="1200" cap="none" spc="0" normalizeH="0" baseline="0" noProof="0" smtClean="0">
                 <a:ln>
                   <a:noFill/>
                 </a:ln>
@@ -30044,25 +29824,8 @@
                 <a:ea typeface="+mn-ea"/>
                 <a:cs typeface="+mn-cs"/>
               </a:rPr>
-              <a:pPr marL="0" marR="0" lvl="0" indent="0" algn="l" defTabSz="914400" rtl="0" eaLnBrk="0" fontAlgn="base" latinLnBrk="0" hangingPunct="0">
-                <a:lnSpc>
-                  <a:spcPct val="100000"/>
-                </a:lnSpc>
-                <a:spcBef>
-                  <a:spcPct val="50000"/>
-                </a:spcBef>
-                <a:spcAft>
-                  <a:spcPct val="0"/>
-                </a:spcAft>
-                <a:buClrTx/>
-                <a:buSzTx/>
-                <a:buFontTx/>
-                <a:buNone/>
-                <a:tabLst/>
-                <a:defRPr/>
-              </a:pPr>
-              <a:t>7 juli 2025</a:t>
-            </a:fld>
+              <a:t>juli 2025</a:t>
+            </a:r>
             <a:endParaRPr kumimoji="0" lang="nl-NL" sz="1100" b="0" i="0" u="none" strike="noStrike" kern="1200" cap="none" spc="0" normalizeH="0" baseline="0" noProof="0" smtClean="0">
               <a:ln>
                 <a:noFill/>
@@ -30676,8 +30439,8 @@
               <a:tabLst/>
               <a:defRPr/>
             </a:pPr>
-            <a:fld id="{7954EBD1-29D6-4680-A43E-6930799C0313}" type="datetime4">
-              <a:rPr kumimoji="0" lang="nl-NL" sz="1100" b="0" i="0" u="none" strike="noStrike" kern="1200" cap="none" spc="0" normalizeH="0" baseline="0" noProof="0" smtClean="0">
+            <a:r>
+              <a:rPr kumimoji="0" lang="en-US" sz="1100" b="0" i="0" u="none" strike="noStrike" kern="1200" cap="none" spc="0" normalizeH="0" baseline="0" noProof="0" smtClean="0">
                 <a:ln>
                   <a:noFill/>
                 </a:ln>
@@ -30691,25 +30454,8 @@
                 <a:ea typeface="+mn-ea"/>
                 <a:cs typeface="+mn-cs"/>
               </a:rPr>
-              <a:pPr marL="0" marR="0" lvl="0" indent="0" algn="l" defTabSz="914400" rtl="0" eaLnBrk="0" fontAlgn="base" latinLnBrk="0" hangingPunct="0">
-                <a:lnSpc>
-                  <a:spcPct val="100000"/>
-                </a:lnSpc>
-                <a:spcBef>
-                  <a:spcPct val="50000"/>
-                </a:spcBef>
-                <a:spcAft>
-                  <a:spcPct val="0"/>
-                </a:spcAft>
-                <a:buClrTx/>
-                <a:buSzTx/>
-                <a:buFontTx/>
-                <a:buNone/>
-                <a:tabLst/>
-                <a:defRPr/>
-              </a:pPr>
-              <a:t>7 juli 2025</a:t>
-            </a:fld>
+              <a:t>juli 2025</a:t>
+            </a:r>
             <a:endParaRPr kumimoji="0" lang="nl-NL" sz="1100" b="0" i="0" u="none" strike="noStrike" kern="1200" cap="none" spc="0" normalizeH="0" baseline="0" noProof="0" smtClean="0">
               <a:ln>
                 <a:noFill/>
@@ -31722,8 +31468,8 @@
               <a:tabLst/>
               <a:defRPr/>
             </a:pPr>
-            <a:fld id="{7954EBD1-29D6-4680-A43E-6930799C0313}" type="datetime4">
-              <a:rPr kumimoji="0" lang="nl-NL" sz="1100" b="0" i="0" u="none" strike="noStrike" kern="1200" cap="none" spc="0" normalizeH="0" baseline="0" noProof="0" smtClean="0">
+            <a:r>
+              <a:rPr kumimoji="0" lang="en-US" sz="1100" b="0" i="0" u="none" strike="noStrike" kern="1200" cap="none" spc="0" normalizeH="0" baseline="0" noProof="0" smtClean="0">
                 <a:ln>
                   <a:noFill/>
                 </a:ln>
@@ -31737,25 +31483,8 @@
                 <a:ea typeface="+mn-ea"/>
                 <a:cs typeface="+mn-cs"/>
               </a:rPr>
-              <a:pPr marL="0" marR="0" lvl="0" indent="0" algn="l" defTabSz="914400" rtl="0" eaLnBrk="0" fontAlgn="base" latinLnBrk="0" hangingPunct="0">
-                <a:lnSpc>
-                  <a:spcPct val="100000"/>
-                </a:lnSpc>
-                <a:spcBef>
-                  <a:spcPct val="50000"/>
-                </a:spcBef>
-                <a:spcAft>
-                  <a:spcPct val="0"/>
-                </a:spcAft>
-                <a:buClrTx/>
-                <a:buSzTx/>
-                <a:buFontTx/>
-                <a:buNone/>
-                <a:tabLst/>
-                <a:defRPr/>
-              </a:pPr>
-              <a:t>7 juli 2025</a:t>
-            </a:fld>
+              <a:t>juli 2025</a:t>
+            </a:r>
             <a:endParaRPr kumimoji="0" lang="nl-NL" sz="1100" b="0" i="0" u="none" strike="noStrike" kern="1200" cap="none" spc="0" normalizeH="0" baseline="0" noProof="0" smtClean="0">
               <a:ln>
                 <a:noFill/>
@@ -32433,8 +32162,8 @@
               <a:tabLst/>
               <a:defRPr/>
             </a:pPr>
-            <a:fld id="{7954EBD1-29D6-4680-A43E-6930799C0313}" type="datetime4">
-              <a:rPr kumimoji="0" lang="nl-NL" sz="1100" b="0" i="0" u="none" strike="noStrike" kern="1200" cap="none" spc="0" normalizeH="0" baseline="0" noProof="0" smtClean="0">
+            <a:r>
+              <a:rPr kumimoji="0" lang="en-US" sz="1100" b="0" i="0" u="none" strike="noStrike" kern="1200" cap="none" spc="0" normalizeH="0" baseline="0" noProof="0" smtClean="0">
                 <a:ln>
                   <a:noFill/>
                 </a:ln>
@@ -32448,25 +32177,8 @@
                 <a:ea typeface="+mn-ea"/>
                 <a:cs typeface="+mn-cs"/>
               </a:rPr>
-              <a:pPr marL="0" marR="0" lvl="0" indent="0" algn="l" defTabSz="914400" rtl="0" eaLnBrk="0" fontAlgn="base" latinLnBrk="0" hangingPunct="0">
-                <a:lnSpc>
-                  <a:spcPct val="100000"/>
-                </a:lnSpc>
-                <a:spcBef>
-                  <a:spcPct val="50000"/>
-                </a:spcBef>
-                <a:spcAft>
-                  <a:spcPct val="0"/>
-                </a:spcAft>
-                <a:buClrTx/>
-                <a:buSzTx/>
-                <a:buFontTx/>
-                <a:buNone/>
-                <a:tabLst/>
-                <a:defRPr/>
-              </a:pPr>
-              <a:t>7 juli 2025</a:t>
-            </a:fld>
+              <a:t>juli 2025</a:t>
+            </a:r>
             <a:endParaRPr kumimoji="0" lang="nl-NL" sz="1100" b="0" i="0" u="none" strike="noStrike" kern="1200" cap="none" spc="0" normalizeH="0" baseline="0" noProof="0" smtClean="0">
               <a:ln>
                 <a:noFill/>
@@ -33409,8 +33121,8 @@
               <a:tabLst/>
               <a:defRPr/>
             </a:pPr>
-            <a:fld id="{7954EBD1-29D6-4680-A43E-6930799C0313}" type="datetime4">
-              <a:rPr kumimoji="0" lang="nl-NL" sz="1100" b="0" i="0" u="none" strike="noStrike" kern="1200" cap="none" spc="0" normalizeH="0" baseline="0" noProof="0" smtClean="0">
+            <a:r>
+              <a:rPr kumimoji="0" lang="en-US" sz="1100" b="0" i="0" u="none" strike="noStrike" kern="1200" cap="none" spc="0" normalizeH="0" baseline="0" noProof="0" smtClean="0">
                 <a:ln>
                   <a:noFill/>
                 </a:ln>
@@ -33424,25 +33136,8 @@
                 <a:ea typeface="+mn-ea"/>
                 <a:cs typeface="+mn-cs"/>
               </a:rPr>
-              <a:pPr marL="0" marR="0" lvl="0" indent="0" algn="l" defTabSz="914400" rtl="0" eaLnBrk="0" fontAlgn="base" latinLnBrk="0" hangingPunct="0">
-                <a:lnSpc>
-                  <a:spcPct val="100000"/>
-                </a:lnSpc>
-                <a:spcBef>
-                  <a:spcPct val="50000"/>
-                </a:spcBef>
-                <a:spcAft>
-                  <a:spcPct val="0"/>
-                </a:spcAft>
-                <a:buClrTx/>
-                <a:buSzTx/>
-                <a:buFontTx/>
-                <a:buNone/>
-                <a:tabLst/>
-                <a:defRPr/>
-              </a:pPr>
-              <a:t>7 juli 2025</a:t>
-            </a:fld>
+              <a:t>juli 2025</a:t>
+            </a:r>
             <a:endParaRPr kumimoji="0" lang="nl-NL" sz="1100" b="0" i="0" u="none" strike="noStrike" kern="1200" cap="none" spc="0" normalizeH="0" baseline="0" noProof="0" smtClean="0">
               <a:ln>
                 <a:noFill/>
@@ -34110,8 +33805,8 @@
               <a:tabLst/>
               <a:defRPr/>
             </a:pPr>
-            <a:fld id="{7954EBD1-29D6-4680-A43E-6930799C0313}" type="datetime4">
-              <a:rPr kumimoji="0" lang="nl-NL" sz="1100" b="0" i="0" u="none" strike="noStrike" kern="1200" cap="none" spc="0" normalizeH="0" baseline="0" noProof="0" smtClean="0">
+            <a:r>
+              <a:rPr kumimoji="0" lang="en-US" sz="1100" b="0" i="0" u="none" strike="noStrike" kern="1200" cap="none" spc="0" normalizeH="0" baseline="0" noProof="0" smtClean="0">
                 <a:ln>
                   <a:noFill/>
                 </a:ln>
@@ -34125,25 +33820,8 @@
                 <a:ea typeface="+mn-ea"/>
                 <a:cs typeface="+mn-cs"/>
               </a:rPr>
-              <a:pPr marL="0" marR="0" lvl="0" indent="0" algn="l" defTabSz="914400" rtl="0" eaLnBrk="0" fontAlgn="base" latinLnBrk="0" hangingPunct="0">
-                <a:lnSpc>
-                  <a:spcPct val="100000"/>
-                </a:lnSpc>
-                <a:spcBef>
-                  <a:spcPct val="50000"/>
-                </a:spcBef>
-                <a:spcAft>
-                  <a:spcPct val="0"/>
-                </a:spcAft>
-                <a:buClrTx/>
-                <a:buSzTx/>
-                <a:buFontTx/>
-                <a:buNone/>
-                <a:tabLst/>
-                <a:defRPr/>
-              </a:pPr>
-              <a:t>7 juli 2025</a:t>
-            </a:fld>
+              <a:t>juli 2025</a:t>
+            </a:r>
             <a:endParaRPr kumimoji="0" lang="nl-NL" sz="1100" b="0" i="0" u="none" strike="noStrike" kern="1200" cap="none" spc="0" normalizeH="0" baseline="0" noProof="0" smtClean="0">
               <a:ln>
                 <a:noFill/>
@@ -34775,8 +34453,8 @@
               <a:tabLst/>
               <a:defRPr/>
             </a:pPr>
-            <a:fld id="{7954EBD1-29D6-4680-A43E-6930799C0313}" type="datetime4">
-              <a:rPr kumimoji="0" lang="nl-NL" sz="1100" b="0" i="0" u="none" strike="noStrike" kern="1200" cap="none" spc="0" normalizeH="0" baseline="0" noProof="0" smtClean="0">
+            <a:r>
+              <a:rPr kumimoji="0" lang="en-US" sz="1100" b="0" i="0" u="none" strike="noStrike" kern="1200" cap="none" spc="0" normalizeH="0" baseline="0" noProof="0" smtClean="0">
                 <a:ln>
                   <a:noFill/>
                 </a:ln>
@@ -34790,25 +34468,8 @@
                 <a:ea typeface="+mn-ea"/>
                 <a:cs typeface="+mn-cs"/>
               </a:rPr>
-              <a:pPr marL="0" marR="0" lvl="0" indent="0" algn="l" defTabSz="914400" rtl="0" eaLnBrk="0" fontAlgn="base" latinLnBrk="0" hangingPunct="0">
-                <a:lnSpc>
-                  <a:spcPct val="100000"/>
-                </a:lnSpc>
-                <a:spcBef>
-                  <a:spcPct val="50000"/>
-                </a:spcBef>
-                <a:spcAft>
-                  <a:spcPct val="0"/>
-                </a:spcAft>
-                <a:buClrTx/>
-                <a:buSzTx/>
-                <a:buFontTx/>
-                <a:buNone/>
-                <a:tabLst/>
-                <a:defRPr/>
-              </a:pPr>
-              <a:t>7 juli 2025</a:t>
-            </a:fld>
+              <a:t>juli 2025</a:t>
+            </a:r>
             <a:endParaRPr kumimoji="0" lang="nl-NL" sz="1100" b="0" i="0" u="none" strike="noStrike" kern="1200" cap="none" spc="0" normalizeH="0" baseline="0" noProof="0" smtClean="0">
               <a:ln>
                 <a:noFill/>
@@ -34826,8 +34487,8 @@
           </a:p>
         </p:txBody>
       </p:sp>
-      <mc:AlternateContent xmlns:mc="http://schemas.openxmlformats.org/markup-compatibility/2006">
-        <mc:Choice xmlns:a14="http://schemas.microsoft.com/office/drawing/2010/main" Requires="a14">
+      <mc:AlternateContent xmlns:mc="http://schemas.openxmlformats.org/markup-compatibility/2006" xmlns:a14="http://schemas.microsoft.com/office/drawing/2010/main">
+        <mc:Choice Requires="a14">
           <p:sp>
             <p:nvSpPr>
               <p:cNvPr id="2" name="Tijdelijke aanduiding voor inhoud 1"/>
@@ -35652,7 +35313,7 @@
             </p:txBody>
           </p:sp>
         </mc:Choice>
-        <mc:Fallback>
+        <mc:Fallback xmlns="">
           <p:sp>
             <p:nvSpPr>
               <p:cNvPr id="2" name="Tijdelijke aanduiding voor inhoud 1"/>
@@ -35946,8 +35607,8 @@
               <a:defRPr/>
             </a:pPr>
             <a:r>
-              <a:rPr lang="nl-NL" smtClean="0"/>
-              <a:t>Mei 2025</a:t>
+              <a:rPr lang="en-US" smtClean="0"/>
+              <a:t>juli 2025</a:t>
             </a:r>
             <a:endParaRPr lang="nl-NL" dirty="0"/>
           </a:p>
@@ -36059,8 +35720,8 @@
               <a:tabLst/>
               <a:defRPr/>
             </a:pPr>
-            <a:fld id="{7954EBD1-29D6-4680-A43E-6930799C0313}" type="datetime4">
-              <a:rPr kumimoji="0" lang="nl-NL" sz="1100" b="0" i="0" u="none" strike="noStrike" kern="1200" cap="none" spc="0" normalizeH="0" baseline="0" noProof="0" smtClean="0">
+            <a:r>
+              <a:rPr kumimoji="0" lang="en-US" sz="1100" b="0" i="0" u="none" strike="noStrike" kern="1200" cap="none" spc="0" normalizeH="0" baseline="0" noProof="0" smtClean="0">
                 <a:ln>
                   <a:noFill/>
                 </a:ln>
@@ -36074,25 +35735,8 @@
                 <a:ea typeface="+mn-ea"/>
                 <a:cs typeface="+mn-cs"/>
               </a:rPr>
-              <a:pPr marL="0" marR="0" lvl="0" indent="0" algn="l" defTabSz="914400" rtl="0" eaLnBrk="0" fontAlgn="base" latinLnBrk="0" hangingPunct="0">
-                <a:lnSpc>
-                  <a:spcPct val="100000"/>
-                </a:lnSpc>
-                <a:spcBef>
-                  <a:spcPct val="50000"/>
-                </a:spcBef>
-                <a:spcAft>
-                  <a:spcPct val="0"/>
-                </a:spcAft>
-                <a:buClrTx/>
-                <a:buSzTx/>
-                <a:buFontTx/>
-                <a:buNone/>
-                <a:tabLst/>
-                <a:defRPr/>
-              </a:pPr>
-              <a:t>7 juli 2025</a:t>
-            </a:fld>
+              <a:t>juli 2025</a:t>
+            </a:r>
             <a:endParaRPr kumimoji="0" lang="nl-NL" sz="1100" b="0" i="0" u="none" strike="noStrike" kern="1200" cap="none" spc="0" normalizeH="0" baseline="0" noProof="0" smtClean="0">
               <a:ln>
                 <a:noFill/>
@@ -37175,8 +36819,8 @@
               <a:tabLst/>
               <a:defRPr/>
             </a:pPr>
-            <a:fld id="{7954EBD1-29D6-4680-A43E-6930799C0313}" type="datetime4">
-              <a:rPr kumimoji="0" lang="nl-NL" sz="1100" b="0" i="0" u="none" strike="noStrike" kern="1200" cap="none" spc="0" normalizeH="0" baseline="0" noProof="0" smtClean="0">
+            <a:r>
+              <a:rPr kumimoji="0" lang="en-US" sz="1100" b="0" i="0" u="none" strike="noStrike" kern="1200" cap="none" spc="0" normalizeH="0" baseline="0" noProof="0" smtClean="0">
                 <a:ln>
                   <a:noFill/>
                 </a:ln>
@@ -37190,25 +36834,8 @@
                 <a:ea typeface="+mn-ea"/>
                 <a:cs typeface="+mn-cs"/>
               </a:rPr>
-              <a:pPr marL="0" marR="0" lvl="0" indent="0" algn="l" defTabSz="914400" rtl="0" eaLnBrk="0" fontAlgn="base" latinLnBrk="0" hangingPunct="0">
-                <a:lnSpc>
-                  <a:spcPct val="100000"/>
-                </a:lnSpc>
-                <a:spcBef>
-                  <a:spcPct val="50000"/>
-                </a:spcBef>
-                <a:spcAft>
-                  <a:spcPct val="0"/>
-                </a:spcAft>
-                <a:buClrTx/>
-                <a:buSzTx/>
-                <a:buFontTx/>
-                <a:buNone/>
-                <a:tabLst/>
-                <a:defRPr/>
-              </a:pPr>
-              <a:t>7 juli 2025</a:t>
-            </a:fld>
+              <a:t>juli 2025</a:t>
+            </a:r>
             <a:endParaRPr kumimoji="0" lang="nl-NL" sz="1100" b="0" i="0" u="none" strike="noStrike" kern="1200" cap="none" spc="0" normalizeH="0" baseline="0" noProof="0" smtClean="0">
               <a:ln>
                 <a:noFill/>
@@ -39174,8 +38801,8 @@
               <a:tabLst/>
               <a:defRPr/>
             </a:pPr>
-            <a:fld id="{7954EBD1-29D6-4680-A43E-6930799C0313}" type="datetime4">
-              <a:rPr kumimoji="0" lang="nl-NL" sz="1100" b="0" i="0" u="none" strike="noStrike" kern="1200" cap="none" spc="0" normalizeH="0" baseline="0" noProof="0" smtClean="0">
+            <a:r>
+              <a:rPr kumimoji="0" lang="en-US" sz="1100" b="0" i="0" u="none" strike="noStrike" kern="1200" cap="none" spc="0" normalizeH="0" baseline="0" noProof="0" smtClean="0">
                 <a:ln>
                   <a:noFill/>
                 </a:ln>
@@ -39189,25 +38816,8 @@
                 <a:ea typeface="+mn-ea"/>
                 <a:cs typeface="+mn-cs"/>
               </a:rPr>
-              <a:pPr marL="0" marR="0" lvl="0" indent="0" algn="l" defTabSz="914400" rtl="0" eaLnBrk="0" fontAlgn="base" latinLnBrk="0" hangingPunct="0">
-                <a:lnSpc>
-                  <a:spcPct val="100000"/>
-                </a:lnSpc>
-                <a:spcBef>
-                  <a:spcPct val="50000"/>
-                </a:spcBef>
-                <a:spcAft>
-                  <a:spcPct val="0"/>
-                </a:spcAft>
-                <a:buClrTx/>
-                <a:buSzTx/>
-                <a:buFontTx/>
-                <a:buNone/>
-                <a:tabLst/>
-                <a:defRPr/>
-              </a:pPr>
-              <a:t>7 juli 2025</a:t>
-            </a:fld>
+              <a:t>juli 2025</a:t>
+            </a:r>
             <a:endParaRPr kumimoji="0" lang="nl-NL" sz="1100" b="0" i="0" u="none" strike="noStrike" kern="1200" cap="none" spc="0" normalizeH="0" baseline="0" noProof="0" smtClean="0">
               <a:ln>
                 <a:noFill/>
@@ -39306,8 +38916,8 @@
           </a:p>
         </p:txBody>
       </p:sp>
-      <mc:AlternateContent xmlns:mc="http://schemas.openxmlformats.org/markup-compatibility/2006">
-        <mc:Choice xmlns:a14="http://schemas.microsoft.com/office/drawing/2010/main" Requires="a14">
+      <mc:AlternateContent xmlns:mc="http://schemas.openxmlformats.org/markup-compatibility/2006" xmlns:a14="http://schemas.microsoft.com/office/drawing/2010/main">
+        <mc:Choice Requires="a14">
           <p:sp>
             <p:nvSpPr>
               <p:cNvPr id="6147" name="Content Placeholder 2"/>
@@ -40293,7 +39903,7 @@
             </p:txBody>
           </p:sp>
         </mc:Choice>
-        <mc:Fallback>
+        <mc:Fallback xmlns="">
           <p:sp>
             <p:nvSpPr>
               <p:cNvPr id="6147" name="Content Placeholder 2"/>
@@ -40374,8 +39984,8 @@
               <a:tabLst/>
               <a:defRPr/>
             </a:pPr>
-            <a:fld id="{7954EBD1-29D6-4680-A43E-6930799C0313}" type="datetime4">
-              <a:rPr kumimoji="0" lang="nl-NL" sz="1100" b="0" i="0" u="none" strike="noStrike" kern="1200" cap="none" spc="0" normalizeH="0" baseline="0" noProof="0" smtClean="0">
+            <a:r>
+              <a:rPr kumimoji="0" lang="en-US" sz="1100" b="0" i="0" u="none" strike="noStrike" kern="1200" cap="none" spc="0" normalizeH="0" baseline="0" noProof="0" smtClean="0">
                 <a:ln>
                   <a:noFill/>
                 </a:ln>
@@ -40389,25 +39999,8 @@
                 <a:ea typeface="+mn-ea"/>
                 <a:cs typeface="+mn-cs"/>
               </a:rPr>
-              <a:pPr marL="0" marR="0" lvl="0" indent="0" algn="l" defTabSz="914400" rtl="0" eaLnBrk="0" fontAlgn="base" latinLnBrk="0" hangingPunct="0">
-                <a:lnSpc>
-                  <a:spcPct val="100000"/>
-                </a:lnSpc>
-                <a:spcBef>
-                  <a:spcPct val="50000"/>
-                </a:spcBef>
-                <a:spcAft>
-                  <a:spcPct val="0"/>
-                </a:spcAft>
-                <a:buClrTx/>
-                <a:buSzTx/>
-                <a:buFontTx/>
-                <a:buNone/>
-                <a:tabLst/>
-                <a:defRPr/>
-              </a:pPr>
-              <a:t>7 juli 2025</a:t>
-            </a:fld>
+              <a:t>juli 2025</a:t>
+            </a:r>
             <a:endParaRPr kumimoji="0" lang="nl-NL" sz="1100" b="0" i="0" u="none" strike="noStrike" kern="1200" cap="none" spc="0" normalizeH="0" baseline="0" noProof="0" smtClean="0">
               <a:ln>
                 <a:noFill/>
@@ -41271,8 +40864,8 @@
               <a:tabLst/>
               <a:defRPr/>
             </a:pPr>
-            <a:fld id="{7954EBD1-29D6-4680-A43E-6930799C0313}" type="datetime4">
-              <a:rPr kumimoji="0" lang="nl-NL" sz="1100" b="0" i="0" u="none" strike="noStrike" kern="1200" cap="none" spc="0" normalizeH="0" baseline="0" noProof="0" smtClean="0">
+            <a:r>
+              <a:rPr kumimoji="0" lang="en-US" sz="1100" b="0" i="0" u="none" strike="noStrike" kern="1200" cap="none" spc="0" normalizeH="0" baseline="0" noProof="0" smtClean="0">
                 <a:ln>
                   <a:noFill/>
                 </a:ln>
@@ -41286,25 +40879,8 @@
                 <a:ea typeface="+mn-ea"/>
                 <a:cs typeface="+mn-cs"/>
               </a:rPr>
-              <a:pPr marL="0" marR="0" lvl="0" indent="0" algn="l" defTabSz="914400" rtl="0" eaLnBrk="0" fontAlgn="base" latinLnBrk="0" hangingPunct="0">
-                <a:lnSpc>
-                  <a:spcPct val="100000"/>
-                </a:lnSpc>
-                <a:spcBef>
-                  <a:spcPct val="50000"/>
-                </a:spcBef>
-                <a:spcAft>
-                  <a:spcPct val="0"/>
-                </a:spcAft>
-                <a:buClrTx/>
-                <a:buSzTx/>
-                <a:buFontTx/>
-                <a:buNone/>
-                <a:tabLst/>
-                <a:defRPr/>
-              </a:pPr>
-              <a:t>7 juli 2025</a:t>
-            </a:fld>
+              <a:t>juli 2025</a:t>
+            </a:r>
             <a:endParaRPr kumimoji="0" lang="nl-NL" sz="1100" b="0" i="0" u="none" strike="noStrike" kern="1200" cap="none" spc="0" normalizeH="0" baseline="0" noProof="0" smtClean="0">
               <a:ln>
                 <a:noFill/>
@@ -41383,8 +40959,8 @@
           </a:p>
         </p:txBody>
       </p:sp>
-      <mc:AlternateContent xmlns:mc="http://schemas.openxmlformats.org/markup-compatibility/2006">
-        <mc:Choice xmlns:a14="http://schemas.microsoft.com/office/drawing/2010/main" Requires="a14">
+      <mc:AlternateContent xmlns:mc="http://schemas.openxmlformats.org/markup-compatibility/2006" xmlns:a14="http://schemas.microsoft.com/office/drawing/2010/main">
+        <mc:Choice Requires="a14">
           <p:sp>
             <p:nvSpPr>
               <p:cNvPr id="6147" name="Content Placeholder 2"/>
@@ -41488,7 +41064,6 @@
                   <a:rPr lang="en-US" dirty="0" smtClean="0"/>
                   <a:t>.</a:t>
                 </a:r>
-                <a:endParaRPr lang="en-US" dirty="0" smtClean="0"/>
               </a:p>
               <a:p>
                 <a:pPr marL="342900" indent="-342900"/>
@@ -41886,7 +41461,7 @@
             </p:txBody>
           </p:sp>
         </mc:Choice>
-        <mc:Fallback>
+        <mc:Fallback xmlns="">
           <p:sp>
             <p:nvSpPr>
               <p:cNvPr id="6147" name="Content Placeholder 2"/>
@@ -41967,8 +41542,8 @@
               <a:tabLst/>
               <a:defRPr/>
             </a:pPr>
-            <a:fld id="{7954EBD1-29D6-4680-A43E-6930799C0313}" type="datetime4">
-              <a:rPr kumimoji="0" lang="nl-NL" sz="1100" b="0" i="0" u="none" strike="noStrike" kern="1200" cap="none" spc="0" normalizeH="0" baseline="0" noProof="0" smtClean="0">
+            <a:r>
+              <a:rPr kumimoji="0" lang="en-US" sz="1100" b="0" i="0" u="none" strike="noStrike" kern="1200" cap="none" spc="0" normalizeH="0" baseline="0" noProof="0" smtClean="0">
                 <a:ln>
                   <a:noFill/>
                 </a:ln>
@@ -41982,25 +41557,8 @@
                 <a:ea typeface="+mn-ea"/>
                 <a:cs typeface="+mn-cs"/>
               </a:rPr>
-              <a:pPr marL="0" marR="0" lvl="0" indent="0" algn="l" defTabSz="914400" rtl="0" eaLnBrk="0" fontAlgn="base" latinLnBrk="0" hangingPunct="0">
-                <a:lnSpc>
-                  <a:spcPct val="100000"/>
-                </a:lnSpc>
-                <a:spcBef>
-                  <a:spcPct val="50000"/>
-                </a:spcBef>
-                <a:spcAft>
-                  <a:spcPct val="0"/>
-                </a:spcAft>
-                <a:buClrTx/>
-                <a:buSzTx/>
-                <a:buFontTx/>
-                <a:buNone/>
-                <a:tabLst/>
-                <a:defRPr/>
-              </a:pPr>
-              <a:t>7 juli 2025</a:t>
-            </a:fld>
+              <a:t>juli 2025</a:t>
+            </a:r>
             <a:endParaRPr kumimoji="0" lang="nl-NL" sz="1100" b="0" i="0" u="none" strike="noStrike" kern="1200" cap="none" spc="0" normalizeH="0" baseline="0" noProof="0" smtClean="0">
               <a:ln>
                 <a:noFill/>
@@ -42144,8 +41702,8 @@
           </a:p>
         </p:txBody>
       </p:sp>
-      <mc:AlternateContent xmlns:mc="http://schemas.openxmlformats.org/markup-compatibility/2006">
-        <mc:Choice xmlns:a14="http://schemas.microsoft.com/office/drawing/2010/main" Requires="a14">
+      <mc:AlternateContent xmlns:mc="http://schemas.openxmlformats.org/markup-compatibility/2006" xmlns:a14="http://schemas.microsoft.com/office/drawing/2010/main">
+        <mc:Choice Requires="a14">
           <p:sp>
             <p:nvSpPr>
               <p:cNvPr id="6147" name="Content Placeholder 2"/>
@@ -42461,11 +42019,7 @@
                 </a:r>
                 <a:r>
                   <a:rPr lang="nl-NL" dirty="0" smtClean="0"/>
-                  <a:t>min, </a:t>
-                </a:r>
-                <a:r>
-                  <a:rPr lang="nl-NL" dirty="0" smtClean="0"/>
-                  <a:t>standaardafwijking </a:t>
+                  <a:t>min, standaardafwijking </a:t>
                 </a:r>
                 <a14:m>
                   <m:oMath xmlns:m="http://schemas.openxmlformats.org/officeDocument/2006/math">
@@ -42504,11 +42058,7 @@
                 </a14:m>
                 <a:r>
                   <a:rPr lang="en-US" dirty="0" smtClean="0"/>
-                  <a:t> </a:t>
-                </a:r>
-                <a:r>
-                  <a:rPr lang="en-US" dirty="0" smtClean="0"/>
-                  <a:t>min </a:t>
+                  <a:t> min </a:t>
                 </a:r>
                 <a:r>
                   <a:rPr lang="en-US" dirty="0" err="1" smtClean="0"/>
@@ -42583,11 +42133,7 @@
                 </a14:m>
                 <a:r>
                   <a:rPr lang="nl-NL" dirty="0" smtClean="0"/>
-                  <a:t> </a:t>
-                </a:r>
-                <a:r>
-                  <a:rPr lang="nl-NL" dirty="0" smtClean="0"/>
-                  <a:t>min, </a:t>
+                  <a:t> min, </a:t>
                 </a:r>
                 <a:r>
                   <a:rPr lang="nl-NL" dirty="0"/>
@@ -42630,15 +42176,7 @@
                 </a14:m>
                 <a:r>
                   <a:rPr lang="nl-NL" dirty="0" smtClean="0"/>
-                  <a:t> </a:t>
-                </a:r>
-                <a:r>
-                  <a:rPr lang="nl-NL" dirty="0" smtClean="0"/>
-                  <a:t>min </a:t>
-                </a:r>
-                <a:r>
-                  <a:rPr lang="nl-NL" dirty="0" smtClean="0"/>
-                  <a:t>en steekproefgrootte </a:t>
+                  <a:t> min en steekproefgrootte </a:t>
                 </a:r>
                 <a14:m>
                   <m:oMath xmlns:m="http://schemas.openxmlformats.org/officeDocument/2006/math">
@@ -42730,7 +42268,7 @@
             </p:txBody>
           </p:sp>
         </mc:Choice>
-        <mc:Fallback>
+        <mc:Fallback xmlns="">
           <p:sp>
             <p:nvSpPr>
               <p:cNvPr id="6147" name="Content Placeholder 2"/>
@@ -42811,8 +42349,8 @@
               <a:tabLst/>
               <a:defRPr/>
             </a:pPr>
-            <a:fld id="{7954EBD1-29D6-4680-A43E-6930799C0313}" type="datetime4">
-              <a:rPr kumimoji="0" lang="nl-NL" sz="1100" b="0" i="0" u="none" strike="noStrike" kern="1200" cap="none" spc="0" normalizeH="0" baseline="0" noProof="0" smtClean="0">
+            <a:r>
+              <a:rPr kumimoji="0" lang="en-US" sz="1100" b="0" i="0" u="none" strike="noStrike" kern="1200" cap="none" spc="0" normalizeH="0" baseline="0" noProof="0" smtClean="0">
                 <a:ln>
                   <a:noFill/>
                 </a:ln>
@@ -42826,25 +42364,8 @@
                 <a:ea typeface="+mn-ea"/>
                 <a:cs typeface="+mn-cs"/>
               </a:rPr>
-              <a:pPr marL="0" marR="0" lvl="0" indent="0" algn="l" defTabSz="914400" rtl="0" eaLnBrk="0" fontAlgn="base" latinLnBrk="0" hangingPunct="0">
-                <a:lnSpc>
-                  <a:spcPct val="100000"/>
-                </a:lnSpc>
-                <a:spcBef>
-                  <a:spcPct val="50000"/>
-                </a:spcBef>
-                <a:spcAft>
-                  <a:spcPct val="0"/>
-                </a:spcAft>
-                <a:buClrTx/>
-                <a:buSzTx/>
-                <a:buFontTx/>
-                <a:buNone/>
-                <a:tabLst/>
-                <a:defRPr/>
-              </a:pPr>
-              <a:t>7 juli 2025</a:t>
-            </a:fld>
+              <a:t>juli 2025</a:t>
+            </a:r>
             <a:endParaRPr kumimoji="0" lang="nl-NL" sz="1100" b="0" i="0" u="none" strike="noStrike" kern="1200" cap="none" spc="0" normalizeH="0" baseline="0" noProof="0" smtClean="0">
               <a:ln>
                 <a:noFill/>
@@ -43534,8 +43055,8 @@
               <a:tabLst/>
               <a:defRPr/>
             </a:pPr>
-            <a:fld id="{7954EBD1-29D6-4680-A43E-6930799C0313}" type="datetime4">
-              <a:rPr kumimoji="0" lang="nl-NL" sz="1100" b="0" i="0" u="none" strike="noStrike" kern="1200" cap="none" spc="0" normalizeH="0" baseline="0" noProof="0" smtClean="0">
+            <a:r>
+              <a:rPr kumimoji="0" lang="en-US" sz="1100" b="0" i="0" u="none" strike="noStrike" kern="1200" cap="none" spc="0" normalizeH="0" baseline="0" noProof="0" smtClean="0">
                 <a:ln>
                   <a:noFill/>
                 </a:ln>
@@ -43549,25 +43070,8 @@
                 <a:ea typeface="+mn-ea"/>
                 <a:cs typeface="+mn-cs"/>
               </a:rPr>
-              <a:pPr marL="0" marR="0" lvl="0" indent="0" algn="l" defTabSz="914400" rtl="0" eaLnBrk="0" fontAlgn="base" latinLnBrk="0" hangingPunct="0">
-                <a:lnSpc>
-                  <a:spcPct val="100000"/>
-                </a:lnSpc>
-                <a:spcBef>
-                  <a:spcPct val="50000"/>
-                </a:spcBef>
-                <a:spcAft>
-                  <a:spcPct val="0"/>
-                </a:spcAft>
-                <a:buClrTx/>
-                <a:buSzTx/>
-                <a:buFontTx/>
-                <a:buNone/>
-                <a:tabLst/>
-                <a:defRPr/>
-              </a:pPr>
-              <a:t>7 juli 2025</a:t>
-            </a:fld>
+              <a:t>juli 2025</a:t>
+            </a:r>
             <a:endParaRPr kumimoji="0" lang="nl-NL" sz="1100" b="0" i="0" u="none" strike="noStrike" kern="1200" cap="none" spc="0" normalizeH="0" baseline="0" noProof="0" smtClean="0">
               <a:ln>
                 <a:noFill/>
